--- a/DOC/The Implementation and Application of Multiclass belief propagation on hadoop.pptx
+++ b/DOC/The Implementation and Application of Multiclass belief propagation on hadoop.pptx
@@ -9,14 +9,14 @@
   </p:notesMasterIdLst>
   <p:sldIdLst>
     <p:sldId id="256" r:id="rId2"/>
-    <p:sldId id="257" r:id="rId3"/>
-    <p:sldId id="258" r:id="rId4"/>
-    <p:sldId id="259" r:id="rId5"/>
-    <p:sldId id="260" r:id="rId6"/>
-    <p:sldId id="261" r:id="rId7"/>
-    <p:sldId id="263" r:id="rId8"/>
+    <p:sldId id="258" r:id="rId3"/>
+    <p:sldId id="259" r:id="rId4"/>
+    <p:sldId id="263" r:id="rId5"/>
+    <p:sldId id="261" r:id="rId6"/>
+    <p:sldId id="265" r:id="rId7"/>
+    <p:sldId id="260" r:id="rId8"/>
     <p:sldId id="262" r:id="rId9"/>
-    <p:sldId id="264" r:id="rId10"/>
+    <p:sldId id="266" r:id="rId10"/>
   </p:sldIdLst>
   <p:sldSz cx="9144000" cy="6858000" type="screen4x3"/>
   <p:notesSz cx="6858000" cy="9144000"/>
@@ -200,7 +200,7 @@
           <a:p>
             <a:fld id="{AEF217DF-B703-41EE-91D7-33585DE6E8A1}" type="datetimeFigureOut">
               <a:rPr lang="zh-CN" altLang="en-US" smtClean="0"/>
-              <a:t>12/3/12</a:t>
+              <a:t>12/7/12</a:t>
             </a:fld>
             <a:endParaRPr lang="zh-CN" altLang="en-US"/>
           </a:p>
@@ -710,7 +710,7 @@
     </p:spTree>
     <p:extLst>
       <p:ext uri="{BB962C8B-B14F-4D97-AF65-F5344CB8AC3E}">
-        <p14:creationId xmlns:p14="http://schemas.microsoft.com/office/powerpoint/2010/main" val="3464178987"/>
+        <p14:creationId xmlns:p14="http://schemas.microsoft.com/office/powerpoint/2010/main" val="3235650671"/>
       </p:ext>
     </p:extLst>
   </p:cSld>
@@ -794,7 +794,7 @@
     </p:spTree>
     <p:extLst>
       <p:ext uri="{BB962C8B-B14F-4D97-AF65-F5344CB8AC3E}">
-        <p14:creationId xmlns:p14="http://schemas.microsoft.com/office/powerpoint/2010/main" val="3235650671"/>
+        <p14:creationId xmlns:p14="http://schemas.microsoft.com/office/powerpoint/2010/main" val="3708287268"/>
       </p:ext>
     </p:extLst>
   </p:cSld>
@@ -1046,7 +1046,7 @@
     </p:spTree>
     <p:extLst>
       <p:ext uri="{BB962C8B-B14F-4D97-AF65-F5344CB8AC3E}">
-        <p14:creationId xmlns:p14="http://schemas.microsoft.com/office/powerpoint/2010/main" val="3708287268"/>
+        <p14:creationId xmlns:p14="http://schemas.microsoft.com/office/powerpoint/2010/main" val="1962243789"/>
       </p:ext>
     </p:extLst>
   </p:cSld>
@@ -1504,7 +1504,7 @@
           <a:p>
             <a:fld id="{D2F2AA92-1D60-4E6B-BA1E-631FA17FE92D}" type="datetimeFigureOut">
               <a:rPr lang="zh-CN" altLang="en-US" smtClean="0"/>
-              <a:t>12/3/12</a:t>
+              <a:t>12/7/12</a:t>
             </a:fld>
             <a:endParaRPr lang="zh-CN" altLang="en-US"/>
           </a:p>
@@ -1897,7 +1897,7 @@
           <a:p>
             <a:fld id="{D2F2AA92-1D60-4E6B-BA1E-631FA17FE92D}" type="datetimeFigureOut">
               <a:rPr lang="zh-CN" altLang="en-US" smtClean="0"/>
-              <a:t>12/3/12</a:t>
+              <a:t>12/7/12</a:t>
             </a:fld>
             <a:endParaRPr lang="zh-CN" altLang="en-US"/>
           </a:p>
@@ -2429,7 +2429,7 @@
           <a:p>
             <a:fld id="{D2F2AA92-1D60-4E6B-BA1E-631FA17FE92D}" type="datetimeFigureOut">
               <a:rPr lang="zh-CN" altLang="en-US" smtClean="0"/>
-              <a:t>12/3/12</a:t>
+              <a:t>12/7/12</a:t>
             </a:fld>
             <a:endParaRPr lang="zh-CN" altLang="en-US"/>
           </a:p>
@@ -2562,7 +2562,7 @@
           <a:p>
             <a:fld id="{D2F2AA92-1D60-4E6B-BA1E-631FA17FE92D}" type="datetimeFigureOut">
               <a:rPr lang="zh-CN" altLang="en-US" smtClean="0"/>
-              <a:t>12/3/12</a:t>
+              <a:t>12/7/12</a:t>
             </a:fld>
             <a:endParaRPr lang="zh-CN" altLang="en-US"/>
           </a:p>
@@ -3105,7 +3105,7 @@
           <a:p>
             <a:fld id="{D2F2AA92-1D60-4E6B-BA1E-631FA17FE92D}" type="datetimeFigureOut">
               <a:rPr lang="zh-CN" altLang="en-US" smtClean="0"/>
-              <a:t>12/3/12</a:t>
+              <a:t>12/7/12</a:t>
             </a:fld>
             <a:endParaRPr lang="zh-CN" altLang="en-US"/>
           </a:p>
@@ -3400,7 +3400,7 @@
           <a:p>
             <a:fld id="{D2F2AA92-1D60-4E6B-BA1E-631FA17FE92D}" type="datetimeFigureOut">
               <a:rPr lang="zh-CN" altLang="en-US" smtClean="0"/>
-              <a:t>12/3/12</a:t>
+              <a:t>12/7/12</a:t>
             </a:fld>
             <a:endParaRPr lang="zh-CN" altLang="en-US"/>
           </a:p>
@@ -4059,7 +4059,7 @@
           <a:p>
             <a:fld id="{D2F2AA92-1D60-4E6B-BA1E-631FA17FE92D}" type="datetimeFigureOut">
               <a:rPr lang="zh-CN" altLang="en-US" smtClean="0"/>
-              <a:t>12/3/12</a:t>
+              <a:t>12/7/12</a:t>
             </a:fld>
             <a:endParaRPr lang="zh-CN" altLang="en-US"/>
           </a:p>
@@ -4495,7 +4495,7 @@
           <a:p>
             <a:fld id="{D2F2AA92-1D60-4E6B-BA1E-631FA17FE92D}" type="datetimeFigureOut">
               <a:rPr lang="zh-CN" altLang="en-US" smtClean="0"/>
-              <a:t>12/3/12</a:t>
+              <a:t>12/7/12</a:t>
             </a:fld>
             <a:endParaRPr lang="zh-CN" altLang="en-US"/>
           </a:p>
@@ -4808,7 +4808,7 @@
           <a:p>
             <a:fld id="{D2F2AA92-1D60-4E6B-BA1E-631FA17FE92D}" type="datetimeFigureOut">
               <a:rPr lang="zh-CN" altLang="en-US" smtClean="0"/>
-              <a:t>12/3/12</a:t>
+              <a:t>12/7/12</a:t>
             </a:fld>
             <a:endParaRPr lang="zh-CN" altLang="en-US"/>
           </a:p>
@@ -5540,7 +5540,7 @@
           <a:p>
             <a:fld id="{D2F2AA92-1D60-4E6B-BA1E-631FA17FE92D}" type="datetimeFigureOut">
               <a:rPr lang="zh-CN" altLang="en-US" smtClean="0"/>
-              <a:t>12/3/12</a:t>
+              <a:t>12/7/12</a:t>
             </a:fld>
             <a:endParaRPr lang="zh-CN" altLang="en-US"/>
           </a:p>
@@ -6204,7 +6204,7 @@
           <a:p>
             <a:fld id="{D2F2AA92-1D60-4E6B-BA1E-631FA17FE92D}" type="datetimeFigureOut">
               <a:rPr lang="zh-CN" altLang="en-US" smtClean="0"/>
-              <a:t>12/3/12</a:t>
+              <a:t>12/7/12</a:t>
             </a:fld>
             <a:endParaRPr lang="zh-CN" altLang="en-US"/>
           </a:p>
@@ -6477,7 +6477,7 @@
           <a:p>
             <a:fld id="{D2F2AA92-1D60-4E6B-BA1E-631FA17FE92D}" type="datetimeFigureOut">
               <a:rPr lang="zh-CN" altLang="en-US" smtClean="0"/>
-              <a:t>12/3/12</a:t>
+              <a:t>12/7/12</a:t>
             </a:fld>
             <a:endParaRPr lang="zh-CN" altLang="en-US"/>
           </a:p>
@@ -7337,7 +7337,7 @@
           <a:p>
             <a:r>
               <a:rPr lang="en-US" altLang="zh-CN" dirty="0" smtClean="0"/>
-              <a:t>Outline</a:t>
+              <a:t>Introduction</a:t>
             </a:r>
             <a:endParaRPr lang="zh-CN" altLang="en-US" dirty="0"/>
           </a:p>
@@ -7360,34 +7360,101 @@
           <a:p>
             <a:r>
               <a:rPr lang="en-US" altLang="zh-CN" b="1" dirty="0" smtClean="0"/>
-              <a:t>Introduction &amp; Goal</a:t>
-            </a:r>
+              <a:t>Belief </a:t>
+            </a:r>
+            <a:r>
+              <a:rPr lang="en-US" altLang="zh-CN" b="1" dirty="0"/>
+              <a:t>propagation</a:t>
+            </a:r>
+            <a:r>
+              <a:rPr lang="en-US" altLang="zh-CN" dirty="0"/>
+              <a:t>,</a:t>
+            </a:r>
+            <a:r>
+              <a:rPr lang="en-US" altLang="zh-CN" sz="2400" dirty="0"/>
+              <a:t> </a:t>
+            </a:r>
+            <a:r>
+              <a:rPr lang="en-US" altLang="zh-CN" sz="2400" dirty="0" smtClean="0"/>
+              <a:t>is an popular algorithm for </a:t>
+            </a:r>
+            <a:r>
+              <a:rPr lang="en-US" altLang="zh-CN" sz="2400" b="1" dirty="0" smtClean="0"/>
+              <a:t>inference on</a:t>
+            </a:r>
+            <a:r>
+              <a:rPr lang="en-US" altLang="zh-CN" sz="2400" b="1" dirty="0"/>
+              <a:t> graphical </a:t>
+            </a:r>
+            <a:r>
+              <a:rPr lang="en-US" altLang="zh-CN" sz="2400" b="1" dirty="0" smtClean="0"/>
+              <a:t>models</a:t>
+            </a:r>
+            <a:r>
+              <a:rPr lang="en-US" altLang="zh-CN" sz="2400" dirty="0"/>
+              <a:t>. It calculates the marginal distribution for each unobserved </a:t>
+            </a:r>
+            <a:r>
+              <a:rPr lang="en-US" altLang="zh-CN" sz="2400" dirty="0" smtClean="0"/>
+              <a:t>node </a:t>
+            </a:r>
+            <a:r>
+              <a:rPr lang="en-US" altLang="zh-CN" sz="2400" dirty="0"/>
+              <a:t>b</a:t>
+            </a:r>
+            <a:r>
+              <a:rPr lang="en-US" altLang="zh-CN" sz="2400" dirty="0" smtClean="0"/>
+              <a:t>ased on observed ones.</a:t>
+            </a:r>
+          </a:p>
+          <a:p>
+            <a:endParaRPr lang="en-US" altLang="zh-CN" dirty="0" smtClean="0"/>
           </a:p>
           <a:p>
             <a:r>
               <a:rPr lang="en-US" altLang="zh-CN" b="1" dirty="0" smtClean="0"/>
-              <a:t>Proposed Method</a:t>
-            </a:r>
-          </a:p>
-          <a:p>
-            <a:r>
-              <a:rPr lang="en-US" altLang="zh-CN" b="1" dirty="0" smtClean="0"/>
-              <a:t>Experiment</a:t>
-            </a:r>
-          </a:p>
-          <a:p>
-            <a:r>
-              <a:rPr lang="en-US" altLang="zh-CN" b="1" dirty="0" smtClean="0"/>
-              <a:t>Conclusion</a:t>
-            </a:r>
-            <a:endParaRPr lang="zh-CN" altLang="en-US" b="1" dirty="0"/>
+              <a:t>Fast Belief propagation</a:t>
+            </a:r>
+            <a:r>
+              <a:rPr lang="en-US" altLang="zh-CN" sz="2000" dirty="0"/>
+              <a:t> , </a:t>
+            </a:r>
+            <a:r>
+              <a:rPr lang="en-US" altLang="zh-CN" sz="2400" dirty="0" smtClean="0"/>
+              <a:t>first proposed by </a:t>
+            </a:r>
+            <a:r>
+              <a:rPr lang="en-US" altLang="zh-CN" sz="2400" dirty="0" err="1" smtClean="0"/>
+              <a:t>Koutra</a:t>
+            </a:r>
+            <a:r>
+              <a:rPr lang="en-US" altLang="zh-CN" sz="2400" dirty="0" smtClean="0"/>
+              <a:t>, et al. is a </a:t>
+            </a:r>
+            <a:r>
+              <a:rPr lang="en-US" altLang="zh-CN" sz="2400" dirty="0" err="1" smtClean="0"/>
+              <a:t>proximation</a:t>
+            </a:r>
+            <a:r>
+              <a:rPr lang="en-US" altLang="zh-CN" sz="2400" dirty="0" smtClean="0"/>
+              <a:t> of Belief propagation of two classes under the “about-half” assumption. </a:t>
+            </a:r>
+            <a:r>
+              <a:rPr lang="en-US" altLang="zh-CN" sz="2400" dirty="0" err="1" smtClean="0"/>
+              <a:t>FastBP</a:t>
+            </a:r>
+            <a:r>
+              <a:rPr lang="en-US" altLang="zh-CN" sz="2400" dirty="0" smtClean="0"/>
+              <a:t> converges much faster than the general BP by stepping aside the message passing process.</a:t>
+            </a:r>
+            <a:endParaRPr lang="en-US" altLang="zh-CN" sz="2800" b="1" dirty="0" smtClean="0"/>
           </a:p>
         </p:txBody>
       </p:sp>
     </p:spTree>
     <p:extLst>
       <p:ext uri="{BB962C8B-B14F-4D97-AF65-F5344CB8AC3E}">
-        <p14:creationId xmlns:p14="http://schemas.microsoft.com/office/powerpoint/2010/main" val="2619983647"/>
+        <p14:creationId xmlns:p14="http://schemas.microsoft.com/office/powerpoint/2010/main" val="2182738296"/>
       </p:ext>
     </p:extLst>
   </p:cSld>
@@ -7438,7 +7505,7 @@
           <a:p>
             <a:r>
               <a:rPr lang="en-US" altLang="zh-CN" dirty="0" smtClean="0"/>
-              <a:t>Introduction</a:t>
+              <a:t>Contributions</a:t>
             </a:r>
             <a:endParaRPr lang="zh-CN" altLang="en-US" dirty="0"/>
           </a:p>
@@ -7456,134 +7523,154 @@
         </p:nvSpPr>
         <p:spPr/>
         <p:txBody>
-          <a:bodyPr/>
-          <a:lstStyle/>
-          <a:p>
-            <a:r>
-              <a:rPr lang="en-US" altLang="zh-CN" b="1" dirty="0" smtClean="0"/>
-              <a:t>Belief </a:t>
-            </a:r>
-            <a:r>
-              <a:rPr lang="en-US" altLang="zh-CN" b="1" dirty="0"/>
-              <a:t>propagation</a:t>
-            </a:r>
+          <a:bodyPr>
+            <a:normAutofit/>
+          </a:bodyPr>
+          <a:lstStyle/>
+          <a:p>
+            <a:r>
+              <a:rPr lang="en-US" altLang="zh-CN" dirty="0" smtClean="0"/>
+              <a:t>Improve Multiclass BP on </a:t>
+            </a:r>
+            <a:r>
+              <a:rPr lang="en-US" altLang="zh-CN" dirty="0" err="1" smtClean="0"/>
+              <a:t>Hadoop</a:t>
+            </a:r>
+            <a:endParaRPr lang="en-US" altLang="zh-CN" dirty="0" smtClean="0"/>
+          </a:p>
+          <a:p>
+            <a:pPr lvl="1"/>
+            <a:r>
+              <a:rPr lang="en-US" altLang="zh-CN" dirty="0" smtClean="0"/>
+              <a:t>Convergence Detection; Massage Smoothing.</a:t>
+            </a:r>
+          </a:p>
+          <a:p>
+            <a:r>
+              <a:rPr lang="en-US" altLang="zh-CN" dirty="0" smtClean="0"/>
+              <a:t>Extend </a:t>
+            </a:r>
+            <a:r>
+              <a:rPr lang="en-US" altLang="zh-CN" dirty="0" err="1" smtClean="0"/>
+              <a:t>FastBP</a:t>
+            </a:r>
+            <a:r>
+              <a:rPr lang="en-US" altLang="zh-CN" dirty="0" smtClean="0"/>
+              <a:t> to Multi-class Problem</a:t>
+            </a:r>
+          </a:p>
+          <a:p>
+            <a:pPr lvl="1"/>
             <a:r>
               <a:rPr lang="en-US" altLang="zh-CN" dirty="0"/>
-              <a:t>,</a:t>
-            </a:r>
-            <a:r>
-              <a:rPr lang="en-US" altLang="zh-CN" sz="2400" dirty="0"/>
+              <a:t>Theoretical </a:t>
+            </a:r>
+            <a:r>
+              <a:rPr lang="en-US" altLang="zh-CN" dirty="0" smtClean="0"/>
+              <a:t>derivation</a:t>
+            </a:r>
+          </a:p>
+          <a:p>
+            <a:pPr lvl="1"/>
+            <a:r>
+              <a:rPr lang="en-US" altLang="zh-CN" dirty="0" smtClean="0"/>
+              <a:t>Error Correcting Code Approach.</a:t>
+            </a:r>
+          </a:p>
+          <a:p>
+            <a:r>
+              <a:rPr lang="en-US" altLang="zh-CN" dirty="0" smtClean="0"/>
+              <a:t>Apply BP and </a:t>
+            </a:r>
+            <a:r>
+              <a:rPr lang="en-US" altLang="zh-CN" dirty="0" err="1" smtClean="0"/>
+              <a:t>FastBP</a:t>
+            </a:r>
+            <a:r>
+              <a:rPr lang="en-US" altLang="zh-CN" dirty="0" smtClean="0"/>
+              <a:t> in </a:t>
+            </a:r>
+            <a:r>
+              <a:rPr lang="en-US" altLang="zh-CN" dirty="0" err="1" smtClean="0"/>
+              <a:t>mutliclass</a:t>
+            </a:r>
+            <a:r>
+              <a:rPr lang="en-US" altLang="zh-CN" dirty="0"/>
               <a:t> </a:t>
             </a:r>
             <a:r>
-              <a:rPr lang="en-US" altLang="zh-CN" sz="2400" dirty="0" smtClean="0"/>
-              <a:t>also </a:t>
-            </a:r>
-            <a:r>
-              <a:rPr lang="en-US" altLang="zh-CN" sz="2400" dirty="0"/>
-              <a:t>known as </a:t>
-            </a:r>
-            <a:r>
-              <a:rPr lang="en-US" altLang="zh-CN" sz="2400" b="1" dirty="0"/>
-              <a:t>sum-product message passing</a:t>
-            </a:r>
-            <a:r>
-              <a:rPr lang="en-US" altLang="zh-CN" sz="2400" dirty="0"/>
-              <a:t> is a </a:t>
-            </a:r>
-            <a:r>
-              <a:rPr lang="en-US" altLang="zh-CN" sz="2400" dirty="0" smtClean="0"/>
-              <a:t>message passing</a:t>
-            </a:r>
-            <a:r>
-              <a:rPr lang="en-US" altLang="zh-CN" sz="2400" dirty="0"/>
-              <a:t> algorithm for performing </a:t>
-            </a:r>
-            <a:r>
-              <a:rPr lang="en-US" altLang="zh-CN" sz="2400" dirty="0" smtClean="0"/>
-              <a:t>inference on</a:t>
-            </a:r>
-            <a:r>
-              <a:rPr lang="en-US" altLang="zh-CN" sz="2400" dirty="0"/>
-              <a:t> graphical models, such </a:t>
-            </a:r>
-            <a:r>
-              <a:rPr lang="en-US" altLang="zh-CN" sz="2400" dirty="0" smtClean="0"/>
-              <a:t>as Bayesian networks</a:t>
-            </a:r>
-            <a:r>
-              <a:rPr lang="en-US" altLang="zh-CN" sz="2400" dirty="0"/>
-              <a:t> and Markov random </a:t>
-            </a:r>
-            <a:r>
-              <a:rPr lang="en-US" altLang="zh-CN" sz="2400" dirty="0" smtClean="0"/>
-              <a:t>fields.</a:t>
-            </a:r>
-          </a:p>
-          <a:p>
+              <a:rPr lang="en-US" altLang="zh-CN" dirty="0" smtClean="0"/>
+              <a:t>large graphs.</a:t>
+            </a:r>
+          </a:p>
+          <a:p>
+            <a:pPr lvl="1"/>
+            <a:r>
+              <a:rPr lang="en-US" altLang="zh-CN" dirty="0" err="1" smtClean="0"/>
+              <a:t>Tencent</a:t>
+            </a:r>
+            <a:r>
+              <a:rPr lang="en-US" altLang="zh-CN" dirty="0" smtClean="0"/>
+              <a:t> </a:t>
+            </a:r>
+            <a:r>
+              <a:rPr lang="en-US" altLang="zh-CN" dirty="0" err="1" smtClean="0"/>
+              <a:t>Weibo</a:t>
+            </a:r>
+            <a:r>
+              <a:rPr lang="en-US" altLang="zh-CN" dirty="0"/>
+              <a:t> </a:t>
+            </a:r>
+            <a:r>
+              <a:rPr lang="en-US" altLang="zh-CN" dirty="0" smtClean="0"/>
+              <a:t>Following Network</a:t>
+            </a:r>
+            <a:endParaRPr lang="en-US" altLang="zh-CN" dirty="0"/>
+          </a:p>
+          <a:p>
+            <a:pPr lvl="1"/>
+            <a:r>
+              <a:rPr lang="en-US" altLang="zh-CN" dirty="0" smtClean="0"/>
+              <a:t>Flickr Sharing Datasets</a:t>
+            </a:r>
+            <a:endParaRPr lang="en-US" altLang="zh-CN" dirty="0"/>
+          </a:p>
+          <a:p>
+            <a:pPr lvl="1"/>
+            <a:r>
+              <a:rPr lang="en-US" altLang="zh-CN" dirty="0" smtClean="0"/>
+              <a:t>DBLP Network</a:t>
+            </a:r>
+          </a:p>
+          <a:p>
+            <a:pPr lvl="1"/>
+            <a:r>
+              <a:rPr lang="en-US" altLang="zh-CN" dirty="0" smtClean="0"/>
+              <a:t>Amazon Co-Purchasing </a:t>
+            </a:r>
+            <a:r>
+              <a:rPr lang="en-US" altLang="zh-CN" dirty="0"/>
+              <a:t>N</a:t>
+            </a:r>
+            <a:r>
+              <a:rPr lang="en-US" altLang="zh-CN" dirty="0" smtClean="0"/>
+              <a:t>etwork.</a:t>
+            </a:r>
+          </a:p>
+          <a:p>
+            <a:pPr lvl="1"/>
+            <a:endParaRPr lang="en-US" altLang="zh-CN" dirty="0"/>
+          </a:p>
+          <a:p>
+            <a:pPr lvl="1"/>
             <a:endParaRPr lang="en-US" altLang="zh-CN" dirty="0" smtClean="0"/>
-          </a:p>
-          <a:p>
-            <a:r>
-              <a:rPr lang="en-US" altLang="zh-CN" b="1" dirty="0" smtClean="0"/>
-              <a:t>Fast Belief propagation</a:t>
-            </a:r>
-            <a:r>
-              <a:rPr lang="en-US" altLang="zh-CN" sz="2000" dirty="0"/>
-              <a:t> , </a:t>
-            </a:r>
-            <a:r>
-              <a:rPr lang="en-US" altLang="zh-CN" sz="2400" dirty="0" smtClean="0"/>
-              <a:t>which was first proposed by </a:t>
-            </a:r>
-            <a:r>
-              <a:rPr lang="en-US" altLang="zh-CN" sz="2400" dirty="0" err="1" smtClean="0"/>
-              <a:t>Koutra</a:t>
-            </a:r>
-            <a:r>
-              <a:rPr lang="en-US" altLang="zh-CN" sz="2400" dirty="0" smtClean="0"/>
-              <a:t>, et al. </a:t>
-            </a:r>
-            <a:r>
-              <a:rPr lang="en-US" altLang="zh-CN" sz="2400" dirty="0"/>
-              <a:t> </a:t>
-            </a:r>
-            <a:r>
-              <a:rPr lang="en-US" altLang="zh-CN" sz="2400" dirty="0" smtClean="0"/>
-              <a:t>Based on the “about-half” assumption and </a:t>
-            </a:r>
-            <a:r>
-              <a:rPr lang="en-US" altLang="zh-CN" sz="2400" dirty="0" err="1" smtClean="0"/>
-              <a:t>Maclaurin</a:t>
-            </a:r>
-            <a:r>
-              <a:rPr lang="en-US" altLang="zh-CN" sz="2400" dirty="0" smtClean="0"/>
-              <a:t> expansion of logarithm, </a:t>
-            </a:r>
-            <a:r>
-              <a:rPr lang="en-US" altLang="zh-CN" sz="2400" dirty="0" err="1" smtClean="0"/>
-              <a:t>FastBP</a:t>
-            </a:r>
-            <a:r>
-              <a:rPr lang="en-US" altLang="zh-CN" sz="2400" dirty="0" smtClean="0"/>
-              <a:t> can quickly approximate the BP without repeated message passing process. But the </a:t>
-            </a:r>
-            <a:r>
-              <a:rPr lang="en-US" altLang="zh-CN" sz="2400" dirty="0" err="1" smtClean="0"/>
-              <a:t>FastBP</a:t>
-            </a:r>
-            <a:r>
-              <a:rPr lang="en-US" altLang="zh-CN" sz="2400" dirty="0" smtClean="0"/>
-              <a:t> Method can only used on two-class case.</a:t>
-            </a:r>
-            <a:endParaRPr lang="en-US" altLang="zh-CN" sz="2800" b="1" dirty="0" smtClean="0"/>
           </a:p>
         </p:txBody>
       </p:sp>
     </p:spTree>
     <p:extLst>
       <p:ext uri="{BB962C8B-B14F-4D97-AF65-F5344CB8AC3E}">
-        <p14:creationId xmlns:p14="http://schemas.microsoft.com/office/powerpoint/2010/main" val="2182738296"/>
+        <p14:creationId xmlns:p14="http://schemas.microsoft.com/office/powerpoint/2010/main" val="4082541568"/>
       </p:ext>
     </p:extLst>
   </p:cSld>
@@ -7634,7 +7721,7 @@
           <a:p>
             <a:r>
               <a:rPr lang="en-US" altLang="zh-CN" dirty="0" smtClean="0"/>
-              <a:t>Goal</a:t>
+              <a:t>Improvements on BP</a:t>
             </a:r>
             <a:endParaRPr lang="zh-CN" altLang="en-US" dirty="0"/>
           </a:p>
@@ -7650,126 +7737,164 @@
             <p:ph sz="quarter" idx="1"/>
           </p:nvPr>
         </p:nvSpPr>
+        <p:spPr/>
+        <p:txBody>
+          <a:bodyPr/>
+          <a:lstStyle/>
+          <a:p>
+            <a:r>
+              <a:rPr lang="en-US" altLang="zh-CN" dirty="0" smtClean="0"/>
+              <a:t>Converge Detection</a:t>
+            </a:r>
+          </a:p>
+          <a:p>
+            <a:pPr lvl="1"/>
+            <a:r>
+              <a:rPr lang="en-US" altLang="zh-CN" dirty="0" smtClean="0"/>
+              <a:t>Avg. |</a:t>
+            </a:r>
+            <a:r>
+              <a:rPr lang="en-US" altLang="zh-CN" dirty="0" err="1" smtClean="0"/>
+              <a:t>new_msg</a:t>
+            </a:r>
+            <a:r>
+              <a:rPr lang="en-US" altLang="zh-CN" dirty="0" smtClean="0"/>
+              <a:t>  - </a:t>
+            </a:r>
+            <a:r>
+              <a:rPr lang="en-US" altLang="zh-CN" dirty="0" err="1" smtClean="0"/>
+              <a:t>old_msg</a:t>
+            </a:r>
+            <a:r>
+              <a:rPr lang="en-US" altLang="zh-CN" dirty="0" smtClean="0"/>
+              <a:t>| &lt; </a:t>
+            </a:r>
+            <a:r>
+              <a:rPr lang="en-US" altLang="zh-CN" dirty="0" err="1" smtClean="0"/>
+              <a:t>ε</a:t>
+            </a:r>
+            <a:endParaRPr lang="en-US" altLang="zh-CN" dirty="0" smtClean="0"/>
+          </a:p>
+          <a:p>
+            <a:r>
+              <a:rPr lang="en-US" altLang="zh-CN" dirty="0" smtClean="0"/>
+              <a:t>Message Smoothing</a:t>
+            </a:r>
+          </a:p>
+          <a:p>
+            <a:pPr lvl="1"/>
+            <a:r>
+              <a:rPr lang="en-US" altLang="zh-CN" dirty="0" smtClean="0"/>
+              <a:t>Smoothed </a:t>
+            </a:r>
+            <a:r>
+              <a:rPr lang="en-US" altLang="zh-CN" dirty="0" err="1" smtClean="0"/>
+              <a:t>msg</a:t>
+            </a:r>
+            <a:r>
+              <a:rPr lang="en-US" altLang="zh-CN" dirty="0" smtClean="0"/>
+              <a:t> = </a:t>
+            </a:r>
+            <a:r>
+              <a:rPr lang="en-US" altLang="zh-CN" dirty="0" err="1" smtClean="0"/>
+              <a:t>λ</a:t>
+            </a:r>
+            <a:r>
+              <a:rPr lang="en-US" altLang="zh-CN" dirty="0" smtClean="0"/>
+              <a:t> * </a:t>
+            </a:r>
+            <a:r>
+              <a:rPr lang="en-US" altLang="zh-CN" dirty="0" err="1" smtClean="0"/>
+              <a:t>new_msg</a:t>
+            </a:r>
+            <a:r>
+              <a:rPr lang="en-US" altLang="zh-CN" dirty="0" smtClean="0"/>
+              <a:t> + (1 - </a:t>
+            </a:r>
+            <a:r>
+              <a:rPr lang="en-US" altLang="zh-CN" dirty="0" err="1" smtClean="0"/>
+              <a:t>λ</a:t>
+            </a:r>
+            <a:r>
+              <a:rPr lang="en-US" altLang="zh-CN" dirty="0" smtClean="0"/>
+              <a:t>) * </a:t>
+            </a:r>
+            <a:r>
+              <a:rPr lang="en-US" altLang="zh-CN" dirty="0" err="1" smtClean="0"/>
+              <a:t>old_msg</a:t>
+            </a:r>
+            <a:endParaRPr lang="en-US" altLang="zh-CN" dirty="0" smtClean="0"/>
+          </a:p>
+          <a:p>
+            <a:pPr lvl="1"/>
+            <a:endParaRPr lang="zh-CN" altLang="en-US" dirty="0"/>
+          </a:p>
+        </p:txBody>
+      </p:sp>
+      <p:pic>
+        <p:nvPicPr>
+          <p:cNvPr id="4" name="Picture 3" descr="Converge.png"/>
+          <p:cNvPicPr>
+            <a:picLocks noChangeAspect="1"/>
+          </p:cNvPicPr>
+          <p:nvPr/>
+        </p:nvPicPr>
+        <p:blipFill>
+          <a:blip r:embed="rId3">
+            <a:extLst>
+              <a:ext uri="{28A0092B-C50C-407E-A947-70E740481C1C}">
+                <a14:useLocalDpi xmlns:a14="http://schemas.microsoft.com/office/drawing/2010/main" val="0"/>
+              </a:ext>
+            </a:extLst>
+          </a:blip>
+          <a:stretch>
+            <a:fillRect/>
+          </a:stretch>
+        </p:blipFill>
         <p:spPr>
           <a:xfrm>
-            <a:off x="301752" y="1527048"/>
-            <a:ext cx="8503920" cy="5142312"/>
-          </a:xfrm>
-        </p:spPr>
-        <p:txBody>
-          <a:bodyPr>
-            <a:normAutofit lnSpcReduction="10000"/>
-          </a:bodyPr>
-          <a:lstStyle/>
-          <a:p>
-            <a:r>
-              <a:rPr lang="en-US" altLang="zh-CN" dirty="0" smtClean="0"/>
-              <a:t>Implement Multiclass BP on </a:t>
-            </a:r>
-            <a:r>
-              <a:rPr lang="en-US" altLang="zh-CN" dirty="0" err="1" smtClean="0"/>
-              <a:t>Hadoop</a:t>
-            </a:r>
-            <a:endParaRPr lang="en-US" altLang="zh-CN" dirty="0" smtClean="0"/>
-          </a:p>
-          <a:p>
-            <a:r>
-              <a:rPr lang="en-US" altLang="zh-CN" dirty="0" smtClean="0"/>
-              <a:t>Apply BP, </a:t>
-            </a:r>
-            <a:r>
-              <a:rPr lang="en-US" altLang="zh-CN" dirty="0" err="1" smtClean="0"/>
-              <a:t>FastBP</a:t>
-            </a:r>
-            <a:r>
-              <a:rPr lang="en-US" altLang="zh-CN" dirty="0" smtClean="0"/>
-              <a:t> on Large Graph (different datasets)</a:t>
-            </a:r>
-          </a:p>
-          <a:p>
-            <a:pPr lvl="1"/>
-            <a:r>
-              <a:rPr lang="en-US" altLang="zh-CN" dirty="0" err="1" smtClean="0"/>
-              <a:t>Tencent</a:t>
-            </a:r>
-            <a:r>
-              <a:rPr lang="en-US" altLang="zh-CN" dirty="0" smtClean="0"/>
-              <a:t> </a:t>
-            </a:r>
-            <a:r>
-              <a:rPr lang="en-US" altLang="zh-CN" dirty="0" err="1" smtClean="0"/>
-              <a:t>Weibo</a:t>
-            </a:r>
-            <a:r>
-              <a:rPr lang="en-US" altLang="zh-CN" dirty="0" smtClean="0"/>
-              <a:t> network dataset</a:t>
-            </a:r>
-          </a:p>
-          <a:p>
-            <a:pPr lvl="1"/>
-            <a:r>
-              <a:rPr lang="en-US" altLang="zh-CN" dirty="0" smtClean="0"/>
-              <a:t>Amazon Co-purchase network dataset</a:t>
-            </a:r>
-          </a:p>
-          <a:p>
-            <a:pPr lvl="1"/>
-            <a:r>
-              <a:rPr lang="en-US" altLang="zh-CN" dirty="0" smtClean="0"/>
-              <a:t>Flicker Sharing dataset</a:t>
-            </a:r>
-          </a:p>
-          <a:p>
-            <a:pPr lvl="1"/>
-            <a:r>
-              <a:rPr lang="en-US" altLang="zh-CN" dirty="0" smtClean="0"/>
-              <a:t>DBLP dataset</a:t>
-            </a:r>
-          </a:p>
-          <a:p>
-            <a:r>
-              <a:rPr lang="en-US" altLang="zh-CN" dirty="0" smtClean="0"/>
-              <a:t>Research on extending </a:t>
-            </a:r>
-            <a:r>
-              <a:rPr lang="en-US" altLang="zh-CN" dirty="0" err="1" smtClean="0"/>
-              <a:t>FastBP</a:t>
-            </a:r>
-            <a:r>
-              <a:rPr lang="en-US" altLang="zh-CN" dirty="0" smtClean="0"/>
-              <a:t> to Multi-class Problem</a:t>
-            </a:r>
-          </a:p>
-          <a:p>
-            <a:r>
-              <a:rPr lang="en-US" altLang="zh-CN" dirty="0" smtClean="0"/>
-              <a:t>Study the convergence of BP</a:t>
-            </a:r>
-          </a:p>
-          <a:p>
-            <a:pPr lvl="1"/>
-            <a:r>
-              <a:rPr lang="en-US" altLang="zh-CN" dirty="0" smtClean="0"/>
-              <a:t>How to detect convergence</a:t>
-            </a:r>
-          </a:p>
-          <a:p>
-            <a:pPr lvl="1"/>
-            <a:r>
-              <a:rPr lang="en-US" altLang="zh-CN" dirty="0" smtClean="0"/>
-              <a:t>How to help BP converge</a:t>
-            </a:r>
-          </a:p>
-          <a:p>
-            <a:pPr lvl="1"/>
-            <a:endParaRPr lang="en-US" altLang="zh-CN" dirty="0" smtClean="0"/>
-          </a:p>
-        </p:txBody>
-      </p:sp>
+            <a:off x="755576" y="3429000"/>
+            <a:ext cx="3612091" cy="2535844"/>
+          </a:xfrm>
+          <a:prstGeom prst="rect">
+            <a:avLst/>
+          </a:prstGeom>
+        </p:spPr>
+      </p:pic>
+      <p:pic>
+        <p:nvPicPr>
+          <p:cNvPr id="5" name="Picture 4" descr="smooth.png"/>
+          <p:cNvPicPr>
+            <a:picLocks noChangeAspect="1"/>
+          </p:cNvPicPr>
+          <p:nvPr/>
+        </p:nvPicPr>
+        <p:blipFill>
+          <a:blip r:embed="rId4">
+            <a:extLst>
+              <a:ext uri="{28A0092B-C50C-407E-A947-70E740481C1C}">
+                <a14:useLocalDpi xmlns:a14="http://schemas.microsoft.com/office/drawing/2010/main" val="0"/>
+              </a:ext>
+            </a:extLst>
+          </a:blip>
+          <a:stretch>
+            <a:fillRect/>
+          </a:stretch>
+        </p:blipFill>
+        <p:spPr>
+          <a:xfrm>
+            <a:off x="4572000" y="3429000"/>
+            <a:ext cx="3600400" cy="2527637"/>
+          </a:xfrm>
+          <a:prstGeom prst="rect">
+            <a:avLst/>
+          </a:prstGeom>
+        </p:spPr>
+      </p:pic>
     </p:spTree>
     <p:extLst>
       <p:ext uri="{BB962C8B-B14F-4D97-AF65-F5344CB8AC3E}">
-        <p14:creationId xmlns:p14="http://schemas.microsoft.com/office/powerpoint/2010/main" val="4082541568"/>
+        <p14:creationId xmlns:p14="http://schemas.microsoft.com/office/powerpoint/2010/main" val="1745701820"/>
       </p:ext>
     </p:extLst>
   </p:cSld>
@@ -7819,8 +7944,8 @@
           <a:lstStyle/>
           <a:p>
             <a:r>
-              <a:rPr lang="en-US" altLang="zh-CN" dirty="0" smtClean="0"/>
-              <a:t>Proposed Method</a:t>
+              <a:rPr lang="en-US" altLang="zh-CN" dirty="0"/>
+              <a:t>Theoretical derivation</a:t>
             </a:r>
             <a:endParaRPr lang="zh-CN" altLang="en-US" dirty="0"/>
           </a:p>
@@ -7843,84 +7968,56 @@
           <a:p>
             <a:r>
               <a:rPr lang="en-US" altLang="zh-CN" dirty="0" smtClean="0"/>
-              <a:t>Implement convergence detection on PEGASUS BP</a:t>
+              <a:t>Brief Introduction:</a:t>
             </a:r>
           </a:p>
           <a:p>
             <a:pPr lvl="1"/>
             <a:r>
               <a:rPr lang="en-US" altLang="zh-CN" dirty="0" smtClean="0"/>
-              <a:t>Compare the each message between different iterations and set a threshold to detect whether the messages converge.</a:t>
-            </a:r>
-          </a:p>
-          <a:p>
+              <a:t>Use the assumption that correlation matrix is close to an identity matrix</a:t>
+            </a:r>
+          </a:p>
+          <a:p>
+            <a:pPr lvl="1"/>
             <a:r>
               <a:rPr lang="en-US" altLang="zh-CN" dirty="0" smtClean="0"/>
-              <a:t>Implement message smoothing to help BP converge</a:t>
+              <a:t>Use the slack variables to relax the relation between any nodes and its sending and received message.</a:t>
             </a:r>
           </a:p>
           <a:p>
             <a:pPr lvl="1"/>
             <a:r>
               <a:rPr lang="en-US" altLang="zh-CN" dirty="0" smtClean="0"/>
-              <a:t>Take the weighted average of the message updates and message of previous iteration to smooth the message updating process.</a:t>
-            </a:r>
-          </a:p>
-          <a:p>
+              <a:t>Use KKT conditions for formulated optimization problem to derive a equation system, which provides the final approximation of BP.</a:t>
+            </a:r>
+          </a:p>
+          <a:p>
+            <a:pPr lvl="1"/>
             <a:r>
               <a:rPr lang="en-US" altLang="zh-CN" dirty="0" smtClean="0"/>
-              <a:t>Use one-</a:t>
-            </a:r>
-            <a:r>
-              <a:rPr lang="en-US" altLang="zh-CN" dirty="0" err="1" smtClean="0"/>
-              <a:t>vs</a:t>
-            </a:r>
-            <a:r>
-              <a:rPr lang="en-US" altLang="zh-CN" dirty="0" smtClean="0"/>
-              <a:t>-all method to extend </a:t>
-            </a:r>
-            <a:r>
-              <a:rPr lang="en-US" altLang="zh-CN" dirty="0" err="1" smtClean="0"/>
-              <a:t>FastBP</a:t>
-            </a:r>
-            <a:r>
-              <a:rPr lang="en-US" altLang="zh-CN" dirty="0" smtClean="0"/>
-              <a:t> to multi-class</a:t>
-            </a:r>
-          </a:p>
-          <a:p>
-            <a:r>
-              <a:rPr lang="en-US" altLang="zh-CN" dirty="0"/>
-              <a:t>Use </a:t>
-            </a:r>
-            <a:r>
-              <a:rPr lang="en-US" altLang="zh-CN" dirty="0" smtClean="0"/>
-              <a:t>ECOC method </a:t>
-            </a:r>
-            <a:r>
-              <a:rPr lang="en-US" altLang="zh-CN" dirty="0"/>
-              <a:t>to extend </a:t>
-            </a:r>
-            <a:r>
-              <a:rPr lang="en-US" altLang="zh-CN" dirty="0" err="1"/>
-              <a:t>FastBP</a:t>
-            </a:r>
-            <a:r>
-              <a:rPr lang="en-US" altLang="zh-CN" dirty="0"/>
-              <a:t> to multi-</a:t>
-            </a:r>
-            <a:r>
-              <a:rPr lang="en-US" altLang="zh-CN" dirty="0" smtClean="0"/>
-              <a:t>class</a:t>
-            </a:r>
-            <a:endParaRPr lang="en-US" altLang="zh-CN" dirty="0"/>
+              <a:t>Use quadratic approximation instead of </a:t>
+            </a:r>
+            <a:r>
+              <a:rPr lang="en-US" altLang="zh-CN" sz="2000" dirty="0" err="1"/>
+              <a:t>Maclaurin</a:t>
+            </a:r>
+            <a:r>
+              <a:rPr lang="en-US" altLang="zh-CN" sz="2000" dirty="0"/>
+              <a:t> </a:t>
+            </a:r>
+            <a:r>
+              <a:rPr lang="en-US" altLang="zh-CN" sz="2000" dirty="0" smtClean="0"/>
+              <a:t>approximation to remove the “about-half” assumption.</a:t>
+            </a:r>
+            <a:endParaRPr lang="zh-CN" altLang="en-US" dirty="0"/>
           </a:p>
         </p:txBody>
       </p:sp>
     </p:spTree>
     <p:extLst>
       <p:ext uri="{BB962C8B-B14F-4D97-AF65-F5344CB8AC3E}">
-        <p14:creationId xmlns:p14="http://schemas.microsoft.com/office/powerpoint/2010/main" val="4237023300"/>
+        <p14:creationId xmlns:p14="http://schemas.microsoft.com/office/powerpoint/2010/main" val="1499250039"/>
       </p:ext>
     </p:extLst>
   </p:cSld>
@@ -7970,8 +8067,8 @@
           <a:lstStyle/>
           <a:p>
             <a:r>
-              <a:rPr lang="en-US" altLang="zh-CN" dirty="0" smtClean="0"/>
-              <a:t>Proposed Method</a:t>
+              <a:rPr lang="en-US" altLang="zh-CN" dirty="0"/>
+              <a:t>Theoretical derivation</a:t>
             </a:r>
             <a:endParaRPr lang="zh-CN" altLang="en-US" dirty="0"/>
           </a:p>
@@ -7979,79 +8076,2131 @@
       </p:sp>
       <p:sp>
         <p:nvSpPr>
-          <p:cNvPr id="3" name="内容占位符 2"/>
-          <p:cNvSpPr>
-            <a:spLocks noGrp="1"/>
-          </p:cNvSpPr>
-          <p:nvPr>
-            <p:ph sz="quarter" idx="1"/>
-          </p:nvPr>
-        </p:nvSpPr>
-        <p:spPr/>
-        <p:txBody>
-          <a:bodyPr/>
-          <a:lstStyle/>
-          <a:p>
-            <a:r>
-              <a:rPr lang="en-US" altLang="zh-CN" dirty="0" smtClean="0"/>
-              <a:t>Extend </a:t>
-            </a:r>
+          <p:cNvPr id="4" name="椭圆 3"/>
+          <p:cNvSpPr/>
+          <p:nvPr/>
+        </p:nvSpPr>
+        <p:spPr>
+          <a:xfrm>
+            <a:off x="2339752" y="2551573"/>
+            <a:ext cx="144016" cy="144016"/>
+          </a:xfrm>
+          <a:prstGeom prst="ellipse">
+            <a:avLst/>
+          </a:prstGeom>
+        </p:spPr>
+        <p:style>
+          <a:lnRef idx="2">
+            <a:schemeClr val="accent1">
+              <a:shade val="50000"/>
+            </a:schemeClr>
+          </a:lnRef>
+          <a:fillRef idx="1">
+            <a:schemeClr val="accent1"/>
+          </a:fillRef>
+          <a:effectRef idx="0">
+            <a:schemeClr val="accent1"/>
+          </a:effectRef>
+          <a:fontRef idx="minor">
+            <a:schemeClr val="lt1"/>
+          </a:fontRef>
+        </p:style>
+        <p:txBody>
+          <a:bodyPr rtlCol="0" anchor="ctr"/>
+          <a:lstStyle/>
+          <a:p>
+            <a:pPr algn="ctr"/>
+            <a:endParaRPr lang="zh-CN" altLang="en-US"/>
+          </a:p>
+        </p:txBody>
+      </p:sp>
+      <p:sp>
+        <p:nvSpPr>
+          <p:cNvPr id="6" name="椭圆 5"/>
+          <p:cNvSpPr/>
+          <p:nvPr/>
+        </p:nvSpPr>
+        <p:spPr>
+          <a:xfrm>
+            <a:off x="1475656" y="4207757"/>
+            <a:ext cx="144016" cy="144016"/>
+          </a:xfrm>
+          <a:prstGeom prst="ellipse">
+            <a:avLst/>
+          </a:prstGeom>
+        </p:spPr>
+        <p:style>
+          <a:lnRef idx="2">
+            <a:schemeClr val="accent1">
+              <a:shade val="50000"/>
+            </a:schemeClr>
+          </a:lnRef>
+          <a:fillRef idx="1">
+            <a:schemeClr val="accent1"/>
+          </a:fillRef>
+          <a:effectRef idx="0">
+            <a:schemeClr val="accent1"/>
+          </a:effectRef>
+          <a:fontRef idx="minor">
+            <a:schemeClr val="lt1"/>
+          </a:fontRef>
+        </p:style>
+        <p:txBody>
+          <a:bodyPr rtlCol="0" anchor="ctr"/>
+          <a:lstStyle/>
+          <a:p>
+            <a:pPr algn="ctr"/>
+            <a:endParaRPr lang="zh-CN" altLang="en-US"/>
+          </a:p>
+        </p:txBody>
+      </p:sp>
+      <p:cxnSp>
+        <p:nvCxnSpPr>
+          <p:cNvPr id="10" name="直接连接符 9"/>
+          <p:cNvCxnSpPr>
+            <a:stCxn id="6" idx="7"/>
+            <a:endCxn id="4" idx="3"/>
+          </p:cNvCxnSpPr>
+          <p:nvPr/>
+        </p:nvCxnSpPr>
+        <p:spPr>
+          <a:xfrm flipV="1">
+            <a:off x="1598581" y="2674498"/>
+            <a:ext cx="762262" cy="1554350"/>
+          </a:xfrm>
+          <a:prstGeom prst="line">
+            <a:avLst/>
+          </a:prstGeom>
+          <a:ln w="25400"/>
+        </p:spPr>
+        <p:style>
+          <a:lnRef idx="1">
+            <a:schemeClr val="accent1"/>
+          </a:lnRef>
+          <a:fillRef idx="0">
+            <a:schemeClr val="accent1"/>
+          </a:fillRef>
+          <a:effectRef idx="0">
+            <a:schemeClr val="accent1"/>
+          </a:effectRef>
+          <a:fontRef idx="minor">
+            <a:schemeClr val="tx1"/>
+          </a:fontRef>
+        </p:style>
+      </p:cxnSp>
+      <p:cxnSp>
+        <p:nvCxnSpPr>
+          <p:cNvPr id="11" name="直接连接符 10"/>
+          <p:cNvCxnSpPr/>
+          <p:nvPr/>
+        </p:nvCxnSpPr>
+        <p:spPr>
+          <a:xfrm flipH="1" flipV="1">
+            <a:off x="1542670" y="4308086"/>
+            <a:ext cx="179915" cy="1469783"/>
+          </a:xfrm>
+          <a:prstGeom prst="line">
+            <a:avLst/>
+          </a:prstGeom>
+          <a:ln w="25400"/>
+        </p:spPr>
+        <p:style>
+          <a:lnRef idx="1">
+            <a:schemeClr val="accent1"/>
+          </a:lnRef>
+          <a:fillRef idx="0">
+            <a:schemeClr val="accent1"/>
+          </a:fillRef>
+          <a:effectRef idx="0">
+            <a:schemeClr val="accent1"/>
+          </a:effectRef>
+          <a:fontRef idx="minor">
+            <a:schemeClr val="tx1"/>
+          </a:fontRef>
+        </p:style>
+      </p:cxnSp>
+      <p:cxnSp>
+        <p:nvCxnSpPr>
+          <p:cNvPr id="13" name="直接连接符 12"/>
+          <p:cNvCxnSpPr/>
+          <p:nvPr/>
+        </p:nvCxnSpPr>
+        <p:spPr>
+          <a:xfrm flipV="1">
+            <a:off x="251520" y="4308086"/>
+            <a:ext cx="1243700" cy="331719"/>
+          </a:xfrm>
+          <a:prstGeom prst="line">
+            <a:avLst/>
+          </a:prstGeom>
+          <a:ln w="25400"/>
+        </p:spPr>
+        <p:style>
+          <a:lnRef idx="1">
+            <a:schemeClr val="accent1"/>
+          </a:lnRef>
+          <a:fillRef idx="0">
+            <a:schemeClr val="accent1"/>
+          </a:fillRef>
+          <a:effectRef idx="0">
+            <a:schemeClr val="accent1"/>
+          </a:effectRef>
+          <a:fontRef idx="minor">
+            <a:schemeClr val="tx1"/>
+          </a:fontRef>
+        </p:style>
+      </p:cxnSp>
+      <p:cxnSp>
+        <p:nvCxnSpPr>
+          <p:cNvPr id="15" name="直接连接符 14"/>
+          <p:cNvCxnSpPr/>
+          <p:nvPr/>
+        </p:nvCxnSpPr>
+        <p:spPr>
+          <a:xfrm flipV="1">
+            <a:off x="971600" y="4331557"/>
+            <a:ext cx="545451" cy="884312"/>
+          </a:xfrm>
+          <a:prstGeom prst="line">
+            <a:avLst/>
+          </a:prstGeom>
+          <a:ln w="25400"/>
+        </p:spPr>
+        <p:style>
+          <a:lnRef idx="1">
+            <a:schemeClr val="accent1"/>
+          </a:lnRef>
+          <a:fillRef idx="0">
+            <a:schemeClr val="accent1"/>
+          </a:fillRef>
+          <a:effectRef idx="0">
+            <a:schemeClr val="accent1"/>
+          </a:effectRef>
+          <a:fontRef idx="minor">
+            <a:schemeClr val="tx1"/>
+          </a:fontRef>
+        </p:style>
+      </p:cxnSp>
+      <p:cxnSp>
+        <p:nvCxnSpPr>
+          <p:cNvPr id="19" name="直接连接符 18"/>
+          <p:cNvCxnSpPr/>
+          <p:nvPr/>
+        </p:nvCxnSpPr>
+        <p:spPr>
+          <a:xfrm>
+            <a:off x="2479184" y="2628560"/>
+            <a:ext cx="940688" cy="139037"/>
+          </a:xfrm>
+          <a:prstGeom prst="line">
+            <a:avLst/>
+          </a:prstGeom>
+          <a:ln w="25400"/>
+        </p:spPr>
+        <p:style>
+          <a:lnRef idx="1">
+            <a:schemeClr val="accent1"/>
+          </a:lnRef>
+          <a:fillRef idx="0">
+            <a:schemeClr val="accent1"/>
+          </a:fillRef>
+          <a:effectRef idx="0">
+            <a:schemeClr val="accent1"/>
+          </a:effectRef>
+          <a:fontRef idx="minor">
+            <a:schemeClr val="tx1"/>
+          </a:fontRef>
+        </p:style>
+      </p:cxnSp>
+      <p:cxnSp>
+        <p:nvCxnSpPr>
+          <p:cNvPr id="20" name="直接连接符 19"/>
+          <p:cNvCxnSpPr/>
+          <p:nvPr/>
+        </p:nvCxnSpPr>
+        <p:spPr>
+          <a:xfrm flipV="1">
+            <a:off x="1331640" y="2623581"/>
+            <a:ext cx="1080120" cy="72008"/>
+          </a:xfrm>
+          <a:prstGeom prst="line">
+            <a:avLst/>
+          </a:prstGeom>
+          <a:ln w="25400"/>
+        </p:spPr>
+        <p:style>
+          <a:lnRef idx="1">
+            <a:schemeClr val="accent1"/>
+          </a:lnRef>
+          <a:fillRef idx="0">
+            <a:schemeClr val="accent1"/>
+          </a:fillRef>
+          <a:effectRef idx="0">
+            <a:schemeClr val="accent1"/>
+          </a:effectRef>
+          <a:fontRef idx="minor">
+            <a:schemeClr val="tx1"/>
+          </a:fontRef>
+        </p:style>
+      </p:cxnSp>
+      <p:cxnSp>
+        <p:nvCxnSpPr>
+          <p:cNvPr id="22" name="直接连接符 21"/>
+          <p:cNvCxnSpPr/>
+          <p:nvPr/>
+        </p:nvCxnSpPr>
+        <p:spPr>
+          <a:xfrm flipH="1" flipV="1">
+            <a:off x="2051720" y="1903501"/>
+            <a:ext cx="335326" cy="715755"/>
+          </a:xfrm>
+          <a:prstGeom prst="line">
+            <a:avLst/>
+          </a:prstGeom>
+          <a:ln w="25400"/>
+        </p:spPr>
+        <p:style>
+          <a:lnRef idx="1">
+            <a:schemeClr val="accent1"/>
+          </a:lnRef>
+          <a:fillRef idx="0">
+            <a:schemeClr val="accent1"/>
+          </a:fillRef>
+          <a:effectRef idx="0">
+            <a:schemeClr val="accent1"/>
+          </a:effectRef>
+          <a:fontRef idx="minor">
+            <a:schemeClr val="tx1"/>
+          </a:fontRef>
+        </p:style>
+      </p:cxnSp>
+      <p:sp>
+        <p:nvSpPr>
+          <p:cNvPr id="25" name="TextBox 24"/>
+          <p:cNvSpPr txBox="1"/>
+          <p:nvPr/>
+        </p:nvSpPr>
+        <p:spPr>
+          <a:xfrm>
+            <a:off x="1669305" y="4336772"/>
+            <a:ext cx="251992" cy="369332"/>
+          </a:xfrm>
+          <a:prstGeom prst="rect">
+            <a:avLst/>
+          </a:prstGeom>
+          <a:noFill/>
+        </p:spPr>
+        <p:txBody>
+          <a:bodyPr wrap="none" rtlCol="0">
+            <a:spAutoFit/>
+          </a:bodyPr>
+          <a:lstStyle/>
+          <a:p>
             <a:r>
               <a:rPr lang="en-US" altLang="zh-CN" dirty="0" err="1"/>
-              <a:t>FastBP</a:t>
-            </a:r>
+              <a:t>i</a:t>
+            </a:r>
+            <a:endParaRPr lang="zh-CN" altLang="en-US" dirty="0"/>
+          </a:p>
+        </p:txBody>
+      </p:sp>
+      <p:sp>
+        <p:nvSpPr>
+          <p:cNvPr id="26" name="TextBox 25"/>
+          <p:cNvSpPr txBox="1"/>
+          <p:nvPr/>
+        </p:nvSpPr>
+        <p:spPr>
+          <a:xfrm>
+            <a:off x="2479184" y="2179597"/>
+            <a:ext cx="251992" cy="369332"/>
+          </a:xfrm>
+          <a:prstGeom prst="rect">
+            <a:avLst/>
+          </a:prstGeom>
+          <a:noFill/>
+        </p:spPr>
+        <p:txBody>
+          <a:bodyPr wrap="none" rtlCol="0">
+            <a:spAutoFit/>
+          </a:bodyPr>
+          <a:lstStyle/>
+          <a:p>
             <a:r>
               <a:rPr lang="en-US" altLang="zh-CN" dirty="0"/>
-              <a:t> to Multi-class Problem</a:t>
-            </a:r>
-          </a:p>
-          <a:p>
-            <a:pPr lvl="1"/>
-            <a:r>
-              <a:rPr lang="en-US" altLang="zh-CN" dirty="0" smtClean="0"/>
-              <a:t>Use the assumption that correlation matrix is close to an identity matrix</a:t>
-            </a:r>
-          </a:p>
-          <a:p>
-            <a:pPr lvl="1"/>
-            <a:r>
-              <a:rPr lang="en-US" altLang="zh-CN" dirty="0" smtClean="0"/>
-              <a:t>Use the slack variables to relax the relation between any nodes and its sending and received message.</a:t>
-            </a:r>
-          </a:p>
-          <a:p>
-            <a:pPr lvl="1"/>
-            <a:r>
-              <a:rPr lang="en-US" altLang="zh-CN" dirty="0" smtClean="0"/>
-              <a:t>Use KKT conditions for formulated optimization problem to derive a equation system, which provides the final approximation of BP.</a:t>
-            </a:r>
-          </a:p>
-          <a:p>
-            <a:pPr lvl="1"/>
-            <a:r>
-              <a:rPr lang="en-US" altLang="zh-CN" dirty="0" smtClean="0"/>
-              <a:t>Use quadratic approximation instead of </a:t>
-            </a:r>
-            <a:r>
-              <a:rPr lang="en-US" altLang="zh-CN" sz="2000" dirty="0" err="1"/>
-              <a:t>Maclaurin</a:t>
-            </a:r>
-            <a:r>
-              <a:rPr lang="en-US" altLang="zh-CN" sz="2000" dirty="0"/>
-              <a:t> </a:t>
-            </a:r>
-            <a:r>
-              <a:rPr lang="en-US" altLang="zh-CN" sz="2000" dirty="0" smtClean="0"/>
-              <a:t>approximation to remove the “about-half” assumption.</a:t>
+              <a:t>j</a:t>
             </a:r>
             <a:endParaRPr lang="zh-CN" altLang="en-US" dirty="0"/>
           </a:p>
         </p:txBody>
       </p:sp>
+      <mc:AlternateContent xmlns:mc="http://schemas.openxmlformats.org/markup-compatibility/2006">
+        <mc:Choice xmlns:a14="http://schemas.microsoft.com/office/drawing/2010/main" Requires="a14">
+          <p:sp>
+            <p:nvSpPr>
+              <p:cNvPr id="28" name="TextBox 27"/>
+              <p:cNvSpPr txBox="1"/>
+              <p:nvPr/>
+            </p:nvSpPr>
+            <p:spPr>
+              <a:xfrm>
+                <a:off x="4860032" y="1772816"/>
+                <a:ext cx="3155031" cy="450957"/>
+              </a:xfrm>
+              <a:prstGeom prst="rect">
+                <a:avLst/>
+              </a:prstGeom>
+              <a:noFill/>
+            </p:spPr>
+            <p:txBody>
+              <a:bodyPr wrap="none" rtlCol="0">
+                <a:spAutoFit/>
+              </a:bodyPr>
+              <a:lstStyle/>
+              <a:p>
+                <a14:m>
+                  <m:oMath xmlns:m="http://schemas.openxmlformats.org/officeDocument/2006/math" xmlns="">
+                    <m:sSub>
+                      <m:sSubPr>
+                        <m:ctrlPr>
+                          <a:rPr lang="en-US" altLang="zh-CN" b="0" i="1" smtClean="0">
+                            <a:latin typeface="Cambria Math"/>
+                          </a:rPr>
+                        </m:ctrlPr>
+                      </m:sSubPr>
+                      <m:e>
+                        <m:r>
+                          <a:rPr lang="en-US" altLang="zh-CN" b="0" i="1" smtClean="0">
+                            <a:latin typeface="Cambria Math"/>
+                          </a:rPr>
+                          <m:t>𝑏</m:t>
+                        </m:r>
+                      </m:e>
+                      <m:sub>
+                        <m:r>
+                          <a:rPr lang="en-US" altLang="zh-CN" b="0" i="1" smtClean="0">
+                            <a:latin typeface="Cambria Math"/>
+                          </a:rPr>
+                          <m:t>𝑖</m:t>
+                        </m:r>
+                      </m:sub>
+                    </m:sSub>
+                    <m:r>
+                      <a:rPr lang="en-US" altLang="zh-CN" b="0" i="1" smtClean="0">
+                        <a:latin typeface="Cambria Math"/>
+                      </a:rPr>
+                      <m:t>=</m:t>
+                    </m:r>
+                    <m:r>
+                      <a:rPr lang="en-US" altLang="zh-CN" b="0" i="1" smtClean="0">
+                        <a:latin typeface="Cambria Math"/>
+                      </a:rPr>
+                      <m:t>𝑑𝑖𝑎𝑔</m:t>
+                    </m:r>
+                    <m:d>
+                      <m:dPr>
+                        <m:ctrlPr>
+                          <a:rPr lang="en-US" altLang="zh-CN" b="0" i="1" smtClean="0">
+                            <a:latin typeface="Cambria Math"/>
+                          </a:rPr>
+                        </m:ctrlPr>
+                      </m:dPr>
+                      <m:e>
+                        <m:sSub>
+                          <m:sSubPr>
+                            <m:ctrlPr>
+                              <a:rPr lang="en-US" altLang="zh-CN" b="0" i="1" smtClean="0">
+                                <a:latin typeface="Cambria Math"/>
+                              </a:rPr>
+                            </m:ctrlPr>
+                          </m:sSubPr>
+                          <m:e>
+                            <m:r>
+                              <a:rPr lang="en-US" altLang="zh-CN" b="0" i="1" smtClean="0">
+                                <a:latin typeface="Cambria Math"/>
+                              </a:rPr>
+                              <m:t>𝑚</m:t>
+                            </m:r>
+                          </m:e>
+                          <m:sub>
+                            <m:r>
+                              <a:rPr lang="en-US" altLang="zh-CN" b="0" i="1" smtClean="0">
+                                <a:latin typeface="Cambria Math"/>
+                              </a:rPr>
+                              <m:t>𝑗𝑖</m:t>
+                            </m:r>
+                          </m:sub>
+                        </m:sSub>
+                      </m:e>
+                    </m:d>
+                    <m:sSup>
+                      <m:sSupPr>
+                        <m:ctrlPr>
+                          <a:rPr lang="en-US" altLang="zh-CN" b="0" i="0" smtClean="0">
+                            <a:latin typeface="Cambria Math"/>
+                          </a:rPr>
+                        </m:ctrlPr>
+                      </m:sSupPr>
+                      <m:e>
+                        <m:r>
+                          <m:rPr>
+                            <m:sty m:val="p"/>
+                          </m:rPr>
+                          <a:rPr lang="en-US" altLang="zh-CN" b="0" i="0" smtClean="0">
+                            <a:latin typeface="Cambria Math"/>
+                          </a:rPr>
+                          <m:t>Ψ</m:t>
+                        </m:r>
+                      </m:e>
+                      <m:sup>
+                        <m:r>
+                          <a:rPr lang="en-US" altLang="zh-CN" b="0" i="0" smtClean="0">
+                            <a:latin typeface="Cambria Math"/>
+                          </a:rPr>
+                          <m:t>−1</m:t>
+                        </m:r>
+                      </m:sup>
+                    </m:sSup>
+                    <m:sSub>
+                      <m:sSubPr>
+                        <m:ctrlPr>
+                          <a:rPr lang="en-US" altLang="zh-CN" b="0" i="0" smtClean="0">
+                            <a:latin typeface="Cambria Math"/>
+                          </a:rPr>
+                        </m:ctrlPr>
+                      </m:sSubPr>
+                      <m:e>
+                        <m:r>
+                          <m:rPr>
+                            <m:sty m:val="p"/>
+                          </m:rPr>
+                          <a:rPr lang="en-US" altLang="zh-CN" b="0" i="0" smtClean="0">
+                            <a:latin typeface="Cambria Math"/>
+                          </a:rPr>
+                          <m:t>m</m:t>
+                        </m:r>
+                      </m:e>
+                      <m:sub>
+                        <m:r>
+                          <m:rPr>
+                            <m:sty m:val="p"/>
+                          </m:rPr>
+                          <a:rPr lang="en-US" altLang="zh-CN" b="0" i="0" smtClean="0">
+                            <a:latin typeface="Cambria Math"/>
+                          </a:rPr>
+                          <m:t>ij</m:t>
+                        </m:r>
+                      </m:sub>
+                    </m:sSub>
+                    <m:r>
+                      <a:rPr lang="en-US" altLang="zh-CN" b="0" i="0" smtClean="0">
+                        <a:latin typeface="Cambria Math"/>
+                      </a:rPr>
+                      <m:t>=</m:t>
+                    </m:r>
+                    <m:sSub>
+                      <m:sSubPr>
+                        <m:ctrlPr>
+                          <a:rPr lang="en-US" altLang="zh-CN" b="0" i="0" smtClean="0">
+                            <a:latin typeface="Cambria Math"/>
+                          </a:rPr>
+                        </m:ctrlPr>
+                      </m:sSubPr>
+                      <m:e>
+                        <m:sSubSup>
+                          <m:sSubSupPr>
+                            <m:ctrlPr>
+                              <a:rPr lang="en-US" altLang="zh-CN" b="0" i="0" smtClean="0">
+                                <a:latin typeface="Cambria Math"/>
+                              </a:rPr>
+                            </m:ctrlPr>
+                          </m:sSubSupPr>
+                          <m:e>
+                            <m:r>
+                              <m:rPr>
+                                <m:sty m:val="p"/>
+                              </m:rPr>
+                              <a:rPr lang="en-US" altLang="zh-CN" b="0" i="0" smtClean="0">
+                                <a:latin typeface="Cambria Math"/>
+                              </a:rPr>
+                              <m:t>m</m:t>
+                            </m:r>
+                          </m:e>
+                          <m:sub/>
+                          <m:sup>
+                            <m:r>
+                              <a:rPr lang="en-US" altLang="zh-CN" b="0" i="0" smtClean="0">
+                                <a:latin typeface="Cambria Math"/>
+                              </a:rPr>
+                              <m:t>′</m:t>
+                            </m:r>
+                          </m:sup>
+                        </m:sSubSup>
+                      </m:e>
+                      <m:sub>
+                        <m:r>
+                          <m:rPr>
+                            <m:sty m:val="p"/>
+                          </m:rPr>
+                          <a:rPr lang="en-US" altLang="zh-CN" b="0" i="0" smtClean="0">
+                            <a:latin typeface="Cambria Math"/>
+                          </a:rPr>
+                          <m:t>ij</m:t>
+                        </m:r>
+                      </m:sub>
+                    </m:sSub>
+                  </m:oMath>
+                </a14:m>
+                <a:r>
+                  <a:rPr lang="zh-CN" altLang="en-US" dirty="0" smtClean="0"/>
+                  <a:t> </a:t>
+                </a:r>
+                <a:endParaRPr lang="zh-CN" altLang="en-US" dirty="0"/>
+              </a:p>
+            </p:txBody>
+          </p:sp>
+        </mc:Choice>
+        <mc:Fallback>
+          <p:sp>
+            <p:nvSpPr>
+              <p:cNvPr id="28" name="TextBox 27"/>
+              <p:cNvSpPr txBox="1">
+                <a:spLocks noRot="1" noChangeAspect="1" noMove="1" noResize="1" noEditPoints="1" noAdjustHandles="1" noChangeArrowheads="1" noChangeShapeType="1" noTextEdit="1"/>
+              </p:cNvSpPr>
+              <p:nvPr/>
+            </p:nvSpPr>
+            <p:spPr>
+              <a:xfrm>
+                <a:off x="4860032" y="1772816"/>
+                <a:ext cx="3155031" cy="450957"/>
+              </a:xfrm>
+              <a:prstGeom prst="rect">
+                <a:avLst/>
+              </a:prstGeom>
+              <a:blipFill rotWithShape="1">
+                <a:blip r:embed="rId3"/>
+                <a:stretch>
+                  <a:fillRect r="-22973"/>
+                </a:stretch>
+              </a:blipFill>
+            </p:spPr>
+            <p:txBody>
+              <a:bodyPr/>
+              <a:lstStyle/>
+              <a:p>
+                <a:r>
+                  <a:rPr lang="en-US">
+                    <a:noFill/>
+                  </a:rPr>
+                  <a:t> </a:t>
+                </a:r>
+              </a:p>
+            </p:txBody>
+          </p:sp>
+        </mc:Fallback>
+      </mc:AlternateContent>
+      <mc:AlternateContent xmlns:mc="http://schemas.openxmlformats.org/markup-compatibility/2006">
+        <mc:Choice xmlns:a14="http://schemas.microsoft.com/office/drawing/2010/main" Requires="a14">
+          <p:sp>
+            <p:nvSpPr>
+              <p:cNvPr id="29" name="TextBox 28"/>
+              <p:cNvSpPr txBox="1"/>
+              <p:nvPr/>
+            </p:nvSpPr>
+            <p:spPr>
+              <a:xfrm>
+                <a:off x="4318650" y="3150301"/>
+                <a:ext cx="1457771" cy="338554"/>
+              </a:xfrm>
+              <a:prstGeom prst="rect">
+                <a:avLst/>
+              </a:prstGeom>
+              <a:noFill/>
+              <a:ln>
+                <a:solidFill>
+                  <a:srgbClr val="002060"/>
+                </a:solidFill>
+              </a:ln>
+            </p:spPr>
+            <p:txBody>
+              <a:bodyPr wrap="none" rtlCol="0">
+                <a:spAutoFit/>
+              </a:bodyPr>
+              <a:lstStyle/>
+              <a:p>
+                <a:r>
+                  <a:rPr lang="en-US" altLang="zh-CN" sz="1600" dirty="0" smtClean="0"/>
+                  <a:t>Assume </a:t>
+                </a:r>
+                <a14:m>
+                  <m:oMath xmlns:m="http://schemas.openxmlformats.org/officeDocument/2006/math" xmlns="">
+                    <m:r>
+                      <m:rPr>
+                        <m:sty m:val="p"/>
+                      </m:rPr>
+                      <a:rPr lang="en-US" altLang="zh-CN" sz="1600" b="0" i="0" smtClean="0">
+                        <a:latin typeface="Cambria Math"/>
+                      </a:rPr>
+                      <m:t>Ψ</m:t>
+                    </m:r>
+                    <m:r>
+                      <a:rPr lang="en-US" altLang="zh-CN" sz="1600" b="0" i="1" smtClean="0">
+                        <a:latin typeface="Cambria Math"/>
+                      </a:rPr>
+                      <m:t>≈</m:t>
+                    </m:r>
+                    <m:r>
+                      <a:rPr lang="en-US" altLang="zh-CN" sz="1600" b="0" i="1" smtClean="0">
+                        <a:latin typeface="Cambria Math"/>
+                      </a:rPr>
+                      <m:t>𝐼</m:t>
+                    </m:r>
+                  </m:oMath>
+                </a14:m>
+                <a:endParaRPr lang="en-US" altLang="zh-CN" sz="1600" b="0" dirty="0" smtClean="0"/>
+              </a:p>
+            </p:txBody>
+          </p:sp>
+        </mc:Choice>
+        <mc:Fallback>
+          <p:sp>
+            <p:nvSpPr>
+              <p:cNvPr id="29" name="TextBox 28"/>
+              <p:cNvSpPr txBox="1">
+                <a:spLocks noRot="1" noChangeAspect="1" noMove="1" noResize="1" noEditPoints="1" noAdjustHandles="1" noChangeArrowheads="1" noChangeShapeType="1" noTextEdit="1"/>
+              </p:cNvSpPr>
+              <p:nvPr/>
+            </p:nvSpPr>
+            <p:spPr>
+              <a:xfrm>
+                <a:off x="4318650" y="3150301"/>
+                <a:ext cx="1457771" cy="338554"/>
+              </a:xfrm>
+              <a:prstGeom prst="rect">
+                <a:avLst/>
+              </a:prstGeom>
+              <a:blipFill rotWithShape="1">
+                <a:blip r:embed="rId4"/>
+                <a:stretch>
+                  <a:fillRect b="-1724"/>
+                </a:stretch>
+              </a:blipFill>
+              <a:ln>
+                <a:solidFill>
+                  <a:srgbClr val="002060"/>
+                </a:solidFill>
+              </a:ln>
+            </p:spPr>
+            <p:txBody>
+              <a:bodyPr/>
+              <a:lstStyle/>
+              <a:p>
+                <a:r>
+                  <a:rPr lang="en-US">
+                    <a:noFill/>
+                  </a:rPr>
+                  <a:t> </a:t>
+                </a:r>
+              </a:p>
+            </p:txBody>
+          </p:sp>
+        </mc:Fallback>
+      </mc:AlternateContent>
+      <mc:AlternateContent xmlns:mc="http://schemas.openxmlformats.org/markup-compatibility/2006">
+        <mc:Choice xmlns:a14="http://schemas.microsoft.com/office/drawing/2010/main" Requires="a14">
+          <p:sp>
+            <p:nvSpPr>
+              <p:cNvPr id="30" name="TextBox 29"/>
+              <p:cNvSpPr txBox="1"/>
+              <p:nvPr/>
+            </p:nvSpPr>
+            <p:spPr>
+              <a:xfrm>
+                <a:off x="4804689" y="2249800"/>
+                <a:ext cx="3174267" cy="450957"/>
+              </a:xfrm>
+              <a:prstGeom prst="rect">
+                <a:avLst/>
+              </a:prstGeom>
+              <a:noFill/>
+            </p:spPr>
+            <p:txBody>
+              <a:bodyPr wrap="none" rtlCol="0">
+                <a:spAutoFit/>
+              </a:bodyPr>
+              <a:lstStyle/>
+              <a:p>
+                <a14:m>
+                  <m:oMathPara xmlns:m="http://schemas.openxmlformats.org/officeDocument/2006/math" xmlns="">
+                    <m:oMathParaPr>
+                      <m:jc m:val="centerGroup"/>
+                    </m:oMathParaPr>
+                    <m:oMath xmlns:m="http://schemas.openxmlformats.org/officeDocument/2006/math">
+                      <m:sSub>
+                        <m:sSubPr>
+                          <m:ctrlPr>
+                            <a:rPr lang="en-US" altLang="zh-CN" b="0" i="1" smtClean="0">
+                              <a:latin typeface="Cambria Math"/>
+                            </a:rPr>
+                          </m:ctrlPr>
+                        </m:sSubPr>
+                        <m:e>
+                          <m:r>
+                            <a:rPr lang="en-US" altLang="zh-CN" b="0" i="1" smtClean="0">
+                              <a:latin typeface="Cambria Math"/>
+                            </a:rPr>
+                            <m:t>𝑏</m:t>
+                          </m:r>
+                        </m:e>
+                        <m:sub>
+                          <m:r>
+                            <a:rPr lang="en-US" altLang="zh-CN" b="0" i="1" smtClean="0">
+                              <a:latin typeface="Cambria Math"/>
+                            </a:rPr>
+                            <m:t>𝑗</m:t>
+                          </m:r>
+                        </m:sub>
+                      </m:sSub>
+                      <m:r>
+                        <a:rPr lang="en-US" altLang="zh-CN" b="0" i="1" smtClean="0">
+                          <a:latin typeface="Cambria Math"/>
+                        </a:rPr>
+                        <m:t>=</m:t>
+                      </m:r>
+                      <m:r>
+                        <a:rPr lang="en-US" altLang="zh-CN" b="0" i="1" smtClean="0">
+                          <a:latin typeface="Cambria Math"/>
+                        </a:rPr>
+                        <m:t>𝑑𝑖𝑎𝑔</m:t>
+                      </m:r>
+                      <m:d>
+                        <m:dPr>
+                          <m:ctrlPr>
+                            <a:rPr lang="en-US" altLang="zh-CN" b="0" i="1" smtClean="0">
+                              <a:latin typeface="Cambria Math"/>
+                            </a:rPr>
+                          </m:ctrlPr>
+                        </m:dPr>
+                        <m:e>
+                          <m:sSub>
+                            <m:sSubPr>
+                              <m:ctrlPr>
+                                <a:rPr lang="en-US" altLang="zh-CN" b="0" i="1" smtClean="0">
+                                  <a:latin typeface="Cambria Math"/>
+                                </a:rPr>
+                              </m:ctrlPr>
+                            </m:sSubPr>
+                            <m:e>
+                              <m:r>
+                                <a:rPr lang="en-US" altLang="zh-CN" b="0" i="1" smtClean="0">
+                                  <a:latin typeface="Cambria Math"/>
+                                </a:rPr>
+                                <m:t>𝑚</m:t>
+                              </m:r>
+                            </m:e>
+                            <m:sub>
+                              <m:r>
+                                <a:rPr lang="en-US" altLang="zh-CN" b="0" i="1" smtClean="0">
+                                  <a:latin typeface="Cambria Math"/>
+                                </a:rPr>
+                                <m:t>𝑖𝑗</m:t>
+                              </m:r>
+                            </m:sub>
+                          </m:sSub>
+                        </m:e>
+                      </m:d>
+                      <m:sSup>
+                        <m:sSupPr>
+                          <m:ctrlPr>
+                            <a:rPr lang="en-US" altLang="zh-CN" b="0" i="0" smtClean="0">
+                              <a:latin typeface="Cambria Math"/>
+                            </a:rPr>
+                          </m:ctrlPr>
+                        </m:sSupPr>
+                        <m:e>
+                          <m:r>
+                            <m:rPr>
+                              <m:sty m:val="p"/>
+                            </m:rPr>
+                            <a:rPr lang="en-US" altLang="zh-CN" b="0" i="0" smtClean="0">
+                              <a:latin typeface="Cambria Math"/>
+                            </a:rPr>
+                            <m:t>Ψ</m:t>
+                          </m:r>
+                        </m:e>
+                        <m:sup>
+                          <m:r>
+                            <a:rPr lang="en-US" altLang="zh-CN" b="0" i="0" smtClean="0">
+                              <a:latin typeface="Cambria Math"/>
+                            </a:rPr>
+                            <m:t>−1</m:t>
+                          </m:r>
+                        </m:sup>
+                      </m:sSup>
+                      <m:sSub>
+                        <m:sSubPr>
+                          <m:ctrlPr>
+                            <a:rPr lang="en-US" altLang="zh-CN" b="0" i="0" smtClean="0">
+                              <a:latin typeface="Cambria Math"/>
+                            </a:rPr>
+                          </m:ctrlPr>
+                        </m:sSubPr>
+                        <m:e>
+                          <m:r>
+                            <m:rPr>
+                              <m:sty m:val="p"/>
+                            </m:rPr>
+                            <a:rPr lang="en-US" altLang="zh-CN" b="0" i="0" smtClean="0">
+                              <a:latin typeface="Cambria Math"/>
+                            </a:rPr>
+                            <m:t>m</m:t>
+                          </m:r>
+                        </m:e>
+                        <m:sub>
+                          <m:r>
+                            <m:rPr>
+                              <m:sty m:val="p"/>
+                            </m:rPr>
+                            <a:rPr lang="en-US" altLang="zh-CN" b="0" i="0" smtClean="0">
+                              <a:latin typeface="Cambria Math"/>
+                            </a:rPr>
+                            <m:t>ji</m:t>
+                          </m:r>
+                        </m:sub>
+                      </m:sSub>
+                      <m:r>
+                        <a:rPr lang="en-US" altLang="zh-CN" b="0" i="0" smtClean="0">
+                          <a:latin typeface="Cambria Math"/>
+                        </a:rPr>
+                        <m:t>=</m:t>
+                      </m:r>
+                      <m:sSub>
+                        <m:sSubPr>
+                          <m:ctrlPr>
+                            <a:rPr lang="en-US" altLang="zh-CN" i="1">
+                              <a:latin typeface="Cambria Math"/>
+                            </a:rPr>
+                          </m:ctrlPr>
+                        </m:sSubPr>
+                        <m:e>
+                          <m:sSubSup>
+                            <m:sSubSupPr>
+                              <m:ctrlPr>
+                                <a:rPr lang="en-US" altLang="zh-CN" i="1">
+                                  <a:latin typeface="Cambria Math"/>
+                                </a:rPr>
+                              </m:ctrlPr>
+                            </m:sSubSupPr>
+                            <m:e>
+                              <m:r>
+                                <m:rPr>
+                                  <m:sty m:val="p"/>
+                                </m:rPr>
+                                <a:rPr lang="en-US" altLang="zh-CN">
+                                  <a:latin typeface="Cambria Math"/>
+                                </a:rPr>
+                                <m:t>m</m:t>
+                              </m:r>
+                            </m:e>
+                            <m:sub/>
+                            <m:sup>
+                              <m:r>
+                                <a:rPr lang="en-US" altLang="zh-CN">
+                                  <a:latin typeface="Cambria Math"/>
+                                </a:rPr>
+                                <m:t>′</m:t>
+                              </m:r>
+                            </m:sup>
+                          </m:sSubSup>
+                        </m:e>
+                        <m:sub>
+                          <m:r>
+                            <m:rPr>
+                              <m:sty m:val="p"/>
+                            </m:rPr>
+                            <a:rPr lang="en-US" altLang="zh-CN" b="0" i="0" smtClean="0">
+                              <a:latin typeface="Cambria Math"/>
+                            </a:rPr>
+                            <m:t>ji</m:t>
+                          </m:r>
+                        </m:sub>
+                      </m:sSub>
+                    </m:oMath>
+                  </m:oMathPara>
+                </a14:m>
+                <a:endParaRPr lang="zh-CN" altLang="en-US" dirty="0"/>
+              </a:p>
+            </p:txBody>
+          </p:sp>
+        </mc:Choice>
+        <mc:Fallback>
+          <p:sp>
+            <p:nvSpPr>
+              <p:cNvPr id="30" name="TextBox 29"/>
+              <p:cNvSpPr txBox="1">
+                <a:spLocks noRot="1" noChangeAspect="1" noMove="1" noResize="1" noEditPoints="1" noAdjustHandles="1" noChangeArrowheads="1" noChangeShapeType="1" noTextEdit="1"/>
+              </p:cNvSpPr>
+              <p:nvPr/>
+            </p:nvSpPr>
+            <p:spPr>
+              <a:xfrm>
+                <a:off x="4804689" y="2249800"/>
+                <a:ext cx="3174267" cy="450957"/>
+              </a:xfrm>
+              <a:prstGeom prst="rect">
+                <a:avLst/>
+              </a:prstGeom>
+              <a:blipFill rotWithShape="1">
+                <a:blip r:embed="rId5"/>
+                <a:stretch>
+                  <a:fillRect r="-22649"/>
+                </a:stretch>
+              </a:blipFill>
+            </p:spPr>
+            <p:txBody>
+              <a:bodyPr/>
+              <a:lstStyle/>
+              <a:p>
+                <a:r>
+                  <a:rPr lang="en-US">
+                    <a:noFill/>
+                  </a:rPr>
+                  <a:t> </a:t>
+                </a:r>
+              </a:p>
+            </p:txBody>
+          </p:sp>
+        </mc:Fallback>
+      </mc:AlternateContent>
+      <p:sp>
+        <p:nvSpPr>
+          <p:cNvPr id="31" name="左大括号 30"/>
+          <p:cNvSpPr/>
+          <p:nvPr/>
+        </p:nvSpPr>
+        <p:spPr>
+          <a:xfrm>
+            <a:off x="4716016" y="1772816"/>
+            <a:ext cx="177346" cy="921713"/>
+          </a:xfrm>
+          <a:prstGeom prst="leftBrace">
+            <a:avLst/>
+          </a:prstGeom>
+        </p:spPr>
+        <p:style>
+          <a:lnRef idx="1">
+            <a:schemeClr val="accent1"/>
+          </a:lnRef>
+          <a:fillRef idx="0">
+            <a:schemeClr val="accent1"/>
+          </a:fillRef>
+          <a:effectRef idx="0">
+            <a:schemeClr val="accent1"/>
+          </a:effectRef>
+          <a:fontRef idx="minor">
+            <a:schemeClr val="tx1"/>
+          </a:fontRef>
+        </p:style>
+        <p:txBody>
+          <a:bodyPr rtlCol="0" anchor="ctr"/>
+          <a:lstStyle/>
+          <a:p>
+            <a:pPr algn="ctr"/>
+            <a:endParaRPr lang="zh-CN" altLang="en-US"/>
+          </a:p>
+        </p:txBody>
+      </p:sp>
+      <p:sp>
+        <p:nvSpPr>
+          <p:cNvPr id="32" name="TextBox 31"/>
+          <p:cNvSpPr txBox="1"/>
+          <p:nvPr/>
+        </p:nvSpPr>
+        <p:spPr>
+          <a:xfrm>
+            <a:off x="3707904" y="2081399"/>
+            <a:ext cx="1002197" cy="307777"/>
+          </a:xfrm>
+          <a:prstGeom prst="rect">
+            <a:avLst/>
+          </a:prstGeom>
+          <a:noFill/>
+        </p:spPr>
+        <p:txBody>
+          <a:bodyPr wrap="none" rtlCol="0">
+            <a:spAutoFit/>
+          </a:bodyPr>
+          <a:lstStyle/>
+          <a:p>
+            <a:r>
+              <a:rPr lang="en-US" altLang="zh-CN" sz="1400" dirty="0"/>
+              <a:t>Symmetry</a:t>
+            </a:r>
+            <a:endParaRPr lang="zh-CN" altLang="en-US" dirty="0"/>
+          </a:p>
+        </p:txBody>
+      </p:sp>
+      <mc:AlternateContent xmlns:mc="http://schemas.openxmlformats.org/markup-compatibility/2006">
+        <mc:Choice xmlns:a14="http://schemas.microsoft.com/office/drawing/2010/main" Requires="a14">
+          <p:sp>
+            <p:nvSpPr>
+              <p:cNvPr id="33" name="TextBox 32"/>
+              <p:cNvSpPr txBox="1"/>
+              <p:nvPr/>
+            </p:nvSpPr>
+            <p:spPr>
+              <a:xfrm>
+                <a:off x="1109539" y="3964007"/>
+                <a:ext cx="433131" cy="369332"/>
+              </a:xfrm>
+              <a:prstGeom prst="rect">
+                <a:avLst/>
+              </a:prstGeom>
+              <a:noFill/>
+            </p:spPr>
+            <p:txBody>
+              <a:bodyPr wrap="none" rtlCol="0">
+                <a:spAutoFit/>
+              </a:bodyPr>
+              <a:lstStyle/>
+              <a:p>
+                <a14:m>
+                  <m:oMathPara xmlns:m="http://schemas.openxmlformats.org/officeDocument/2006/math" xmlns="">
+                    <m:oMathParaPr>
+                      <m:jc m:val="centerGroup"/>
+                    </m:oMathParaPr>
+                    <m:oMath xmlns:m="http://schemas.openxmlformats.org/officeDocument/2006/math">
+                      <m:sSub>
+                        <m:sSubPr>
+                          <m:ctrlPr>
+                            <a:rPr lang="en-US" altLang="zh-CN" b="0" i="1" smtClean="0">
+                              <a:latin typeface="Cambria Math"/>
+                            </a:rPr>
+                          </m:ctrlPr>
+                        </m:sSubPr>
+                        <m:e>
+                          <m:r>
+                            <a:rPr lang="en-US" altLang="zh-CN" b="0" i="1" smtClean="0">
+                              <a:latin typeface="Cambria Math"/>
+                            </a:rPr>
+                            <m:t>𝑏</m:t>
+                          </m:r>
+                        </m:e>
+                        <m:sub>
+                          <m:r>
+                            <a:rPr lang="en-US" altLang="zh-CN" b="0" i="1" smtClean="0">
+                              <a:latin typeface="Cambria Math"/>
+                            </a:rPr>
+                            <m:t>𝑖</m:t>
+                          </m:r>
+                        </m:sub>
+                      </m:sSub>
+                    </m:oMath>
+                  </m:oMathPara>
+                </a14:m>
+                <a:endParaRPr lang="zh-CN" altLang="en-US" dirty="0"/>
+              </a:p>
+            </p:txBody>
+          </p:sp>
+        </mc:Choice>
+        <mc:Fallback>
+          <p:sp>
+            <p:nvSpPr>
+              <p:cNvPr id="33" name="TextBox 32"/>
+              <p:cNvSpPr txBox="1">
+                <a:spLocks noRot="1" noChangeAspect="1" noMove="1" noResize="1" noEditPoints="1" noAdjustHandles="1" noChangeArrowheads="1" noChangeShapeType="1" noTextEdit="1"/>
+              </p:cNvSpPr>
+              <p:nvPr/>
+            </p:nvSpPr>
+            <p:spPr>
+              <a:xfrm>
+                <a:off x="1109539" y="3964007"/>
+                <a:ext cx="433131" cy="369332"/>
+              </a:xfrm>
+              <a:prstGeom prst="rect">
+                <a:avLst/>
+              </a:prstGeom>
+              <a:blipFill rotWithShape="1">
+                <a:blip r:embed="rId6"/>
+                <a:stretch>
+                  <a:fillRect r="-8333"/>
+                </a:stretch>
+              </a:blipFill>
+            </p:spPr>
+            <p:txBody>
+              <a:bodyPr/>
+              <a:lstStyle/>
+              <a:p>
+                <a:r>
+                  <a:rPr lang="en-US">
+                    <a:noFill/>
+                  </a:rPr>
+                  <a:t> </a:t>
+                </a:r>
+              </a:p>
+            </p:txBody>
+          </p:sp>
+        </mc:Fallback>
+      </mc:AlternateContent>
+      <mc:AlternateContent xmlns:mc="http://schemas.openxmlformats.org/markup-compatibility/2006">
+        <mc:Choice xmlns:a14="http://schemas.microsoft.com/office/drawing/2010/main" Requires="a14">
+          <p:sp>
+            <p:nvSpPr>
+              <p:cNvPr id="34" name="TextBox 33"/>
+              <p:cNvSpPr txBox="1"/>
+              <p:nvPr/>
+            </p:nvSpPr>
+            <p:spPr>
+              <a:xfrm>
+                <a:off x="2382087" y="2648746"/>
+                <a:ext cx="431848" cy="391646"/>
+              </a:xfrm>
+              <a:prstGeom prst="rect">
+                <a:avLst/>
+              </a:prstGeom>
+              <a:noFill/>
+            </p:spPr>
+            <p:txBody>
+              <a:bodyPr wrap="none" rtlCol="0">
+                <a:spAutoFit/>
+              </a:bodyPr>
+              <a:lstStyle/>
+              <a:p>
+                <a14:m>
+                  <m:oMathPara xmlns:m="http://schemas.openxmlformats.org/officeDocument/2006/math" xmlns="">
+                    <m:oMathParaPr>
+                      <m:jc m:val="centerGroup"/>
+                    </m:oMathParaPr>
+                    <m:oMath xmlns:m="http://schemas.openxmlformats.org/officeDocument/2006/math">
+                      <m:sSub>
+                        <m:sSubPr>
+                          <m:ctrlPr>
+                            <a:rPr lang="en-US" altLang="zh-CN" b="0" i="1" smtClean="0">
+                              <a:latin typeface="Cambria Math"/>
+                            </a:rPr>
+                          </m:ctrlPr>
+                        </m:sSubPr>
+                        <m:e>
+                          <m:r>
+                            <a:rPr lang="en-US" altLang="zh-CN" b="0" i="1" smtClean="0">
+                              <a:latin typeface="Cambria Math"/>
+                            </a:rPr>
+                            <m:t>𝑏</m:t>
+                          </m:r>
+                        </m:e>
+                        <m:sub>
+                          <m:r>
+                            <a:rPr lang="en-US" altLang="zh-CN" b="0" i="1" smtClean="0">
+                              <a:latin typeface="Cambria Math"/>
+                            </a:rPr>
+                            <m:t>𝑗</m:t>
+                          </m:r>
+                        </m:sub>
+                      </m:sSub>
+                    </m:oMath>
+                  </m:oMathPara>
+                </a14:m>
+                <a:endParaRPr lang="zh-CN" altLang="en-US" dirty="0"/>
+              </a:p>
+            </p:txBody>
+          </p:sp>
+        </mc:Choice>
+        <mc:Fallback>
+          <p:sp>
+            <p:nvSpPr>
+              <p:cNvPr id="34" name="TextBox 33"/>
+              <p:cNvSpPr txBox="1">
+                <a:spLocks noRot="1" noChangeAspect="1" noMove="1" noResize="1" noEditPoints="1" noAdjustHandles="1" noChangeArrowheads="1" noChangeShapeType="1" noTextEdit="1"/>
+              </p:cNvSpPr>
+              <p:nvPr/>
+            </p:nvSpPr>
+            <p:spPr>
+              <a:xfrm>
+                <a:off x="2382087" y="2648746"/>
+                <a:ext cx="431848" cy="391646"/>
+              </a:xfrm>
+              <a:prstGeom prst="rect">
+                <a:avLst/>
+              </a:prstGeom>
+              <a:blipFill rotWithShape="1">
+                <a:blip r:embed="rId7"/>
+                <a:stretch>
+                  <a:fillRect r="-9722"/>
+                </a:stretch>
+              </a:blipFill>
+            </p:spPr>
+            <p:txBody>
+              <a:bodyPr/>
+              <a:lstStyle/>
+              <a:p>
+                <a:r>
+                  <a:rPr lang="en-US">
+                    <a:noFill/>
+                  </a:rPr>
+                  <a:t> </a:t>
+                </a:r>
+              </a:p>
+            </p:txBody>
+          </p:sp>
+        </mc:Fallback>
+      </mc:AlternateContent>
+      <mc:AlternateContent xmlns:mc="http://schemas.openxmlformats.org/markup-compatibility/2006">
+        <mc:Choice xmlns:a14="http://schemas.microsoft.com/office/drawing/2010/main" Requires="a14">
+          <p:sp>
+            <p:nvSpPr>
+              <p:cNvPr id="35" name="TextBox 34"/>
+              <p:cNvSpPr txBox="1"/>
+              <p:nvPr/>
+            </p:nvSpPr>
+            <p:spPr>
+              <a:xfrm>
+                <a:off x="1252975" y="3572361"/>
+                <a:ext cx="587918" cy="391646"/>
+              </a:xfrm>
+              <a:prstGeom prst="rect">
+                <a:avLst/>
+              </a:prstGeom>
+              <a:noFill/>
+            </p:spPr>
+            <p:txBody>
+              <a:bodyPr wrap="none" rtlCol="0">
+                <a:spAutoFit/>
+              </a:bodyPr>
+              <a:lstStyle/>
+              <a:p>
+                <a14:m>
+                  <m:oMathPara xmlns:m="http://schemas.openxmlformats.org/officeDocument/2006/math" xmlns="">
+                    <m:oMathParaPr>
+                      <m:jc m:val="centerGroup"/>
+                    </m:oMathParaPr>
+                    <m:oMath xmlns:m="http://schemas.openxmlformats.org/officeDocument/2006/math">
+                      <m:sSub>
+                        <m:sSubPr>
+                          <m:ctrlPr>
+                            <a:rPr lang="en-US" altLang="zh-CN" b="0" i="1" smtClean="0">
+                              <a:latin typeface="Cambria Math"/>
+                            </a:rPr>
+                          </m:ctrlPr>
+                        </m:sSubPr>
+                        <m:e>
+                          <m:r>
+                            <a:rPr lang="en-US" altLang="zh-CN" b="0" i="1" smtClean="0">
+                              <a:latin typeface="Cambria Math"/>
+                            </a:rPr>
+                            <m:t>𝑚</m:t>
+                          </m:r>
+                        </m:e>
+                        <m:sub>
+                          <m:r>
+                            <a:rPr lang="en-US" altLang="zh-CN" b="0" i="1" smtClean="0">
+                              <a:latin typeface="Cambria Math"/>
+                            </a:rPr>
+                            <m:t>𝑖𝑗</m:t>
+                          </m:r>
+                        </m:sub>
+                      </m:sSub>
+                    </m:oMath>
+                  </m:oMathPara>
+                </a14:m>
+                <a:endParaRPr lang="zh-CN" altLang="en-US" dirty="0"/>
+              </a:p>
+            </p:txBody>
+          </p:sp>
+        </mc:Choice>
+        <mc:Fallback>
+          <p:sp>
+            <p:nvSpPr>
+              <p:cNvPr id="35" name="TextBox 34"/>
+              <p:cNvSpPr txBox="1">
+                <a:spLocks noRot="1" noChangeAspect="1" noMove="1" noResize="1" noEditPoints="1" noAdjustHandles="1" noChangeArrowheads="1" noChangeShapeType="1" noTextEdit="1"/>
+              </p:cNvSpPr>
+              <p:nvPr/>
+            </p:nvSpPr>
+            <p:spPr>
+              <a:xfrm>
+                <a:off x="1252975" y="3572361"/>
+                <a:ext cx="587918" cy="391646"/>
+              </a:xfrm>
+              <a:prstGeom prst="rect">
+                <a:avLst/>
+              </a:prstGeom>
+              <a:blipFill rotWithShape="1">
+                <a:blip r:embed="rId8"/>
+                <a:stretch>
+                  <a:fillRect r="-4124"/>
+                </a:stretch>
+              </a:blipFill>
+            </p:spPr>
+            <p:txBody>
+              <a:bodyPr/>
+              <a:lstStyle/>
+              <a:p>
+                <a:r>
+                  <a:rPr lang="en-US">
+                    <a:noFill/>
+                  </a:rPr>
+                  <a:t> </a:t>
+                </a:r>
+              </a:p>
+            </p:txBody>
+          </p:sp>
+        </mc:Fallback>
+      </mc:AlternateContent>
+      <mc:AlternateContent xmlns:mc="http://schemas.openxmlformats.org/markup-compatibility/2006">
+        <mc:Choice xmlns:a14="http://schemas.microsoft.com/office/drawing/2010/main" Requires="a14">
+          <p:sp>
+            <p:nvSpPr>
+              <p:cNvPr id="36" name="TextBox 35"/>
+              <p:cNvSpPr txBox="1"/>
+              <p:nvPr/>
+            </p:nvSpPr>
+            <p:spPr>
+              <a:xfrm>
+                <a:off x="2030613" y="3194046"/>
+                <a:ext cx="567398" cy="391646"/>
+              </a:xfrm>
+              <a:prstGeom prst="rect">
+                <a:avLst/>
+              </a:prstGeom>
+              <a:noFill/>
+            </p:spPr>
+            <p:txBody>
+              <a:bodyPr wrap="none" rtlCol="0">
+                <a:spAutoFit/>
+              </a:bodyPr>
+              <a:lstStyle/>
+              <a:p>
+                <a14:m>
+                  <m:oMathPara xmlns:m="http://schemas.openxmlformats.org/officeDocument/2006/math" xmlns="">
+                    <m:oMathParaPr>
+                      <m:jc m:val="centerGroup"/>
+                    </m:oMathParaPr>
+                    <m:oMath xmlns:m="http://schemas.openxmlformats.org/officeDocument/2006/math">
+                      <m:sSub>
+                        <m:sSubPr>
+                          <m:ctrlPr>
+                            <a:rPr lang="en-US" altLang="zh-CN" b="0" i="1" smtClean="0">
+                              <a:latin typeface="Cambria Math"/>
+                            </a:rPr>
+                          </m:ctrlPr>
+                        </m:sSubPr>
+                        <m:e>
+                          <m:r>
+                            <a:rPr lang="en-US" altLang="zh-CN" b="0" i="1" smtClean="0">
+                              <a:latin typeface="Cambria Math"/>
+                            </a:rPr>
+                            <m:t>𝑚</m:t>
+                          </m:r>
+                        </m:e>
+                        <m:sub>
+                          <m:r>
+                            <a:rPr lang="en-US" altLang="zh-CN" b="0" i="1" smtClean="0">
+                              <a:latin typeface="Cambria Math"/>
+                            </a:rPr>
+                            <m:t>𝑗𝑖</m:t>
+                          </m:r>
+                        </m:sub>
+                      </m:sSub>
+                    </m:oMath>
+                  </m:oMathPara>
+                </a14:m>
+                <a:endParaRPr lang="zh-CN" altLang="en-US" dirty="0"/>
+              </a:p>
+            </p:txBody>
+          </p:sp>
+        </mc:Choice>
+        <mc:Fallback>
+          <p:sp>
+            <p:nvSpPr>
+              <p:cNvPr id="36" name="TextBox 35"/>
+              <p:cNvSpPr txBox="1">
+                <a:spLocks noRot="1" noChangeAspect="1" noMove="1" noResize="1" noEditPoints="1" noAdjustHandles="1" noChangeArrowheads="1" noChangeShapeType="1" noTextEdit="1"/>
+              </p:cNvSpPr>
+              <p:nvPr/>
+            </p:nvSpPr>
+            <p:spPr>
+              <a:xfrm>
+                <a:off x="2030613" y="3194046"/>
+                <a:ext cx="567398" cy="391646"/>
+              </a:xfrm>
+              <a:prstGeom prst="rect">
+                <a:avLst/>
+              </a:prstGeom>
+              <a:blipFill rotWithShape="1">
+                <a:blip r:embed="rId9"/>
+                <a:stretch>
+                  <a:fillRect r="-7447"/>
+                </a:stretch>
+              </a:blipFill>
+            </p:spPr>
+            <p:txBody>
+              <a:bodyPr/>
+              <a:lstStyle/>
+              <a:p>
+                <a:r>
+                  <a:rPr lang="en-US">
+                    <a:noFill/>
+                  </a:rPr>
+                  <a:t> </a:t>
+                </a:r>
+              </a:p>
+            </p:txBody>
+          </p:sp>
+        </mc:Fallback>
+      </mc:AlternateContent>
+      <p:cxnSp>
+        <p:nvCxnSpPr>
+          <p:cNvPr id="38" name="直接箭头连接符 37"/>
+          <p:cNvCxnSpPr/>
+          <p:nvPr/>
+        </p:nvCxnSpPr>
+        <p:spPr>
+          <a:xfrm flipV="1">
+            <a:off x="1582763" y="3194046"/>
+            <a:ext cx="212538" cy="446785"/>
+          </a:xfrm>
+          <a:prstGeom prst="straightConnector1">
+            <a:avLst/>
+          </a:prstGeom>
+          <a:ln>
+            <a:solidFill>
+              <a:srgbClr val="002060"/>
+            </a:solidFill>
+            <a:tailEnd type="arrow"/>
+          </a:ln>
+        </p:spPr>
+        <p:style>
+          <a:lnRef idx="1">
+            <a:schemeClr val="accent1"/>
+          </a:lnRef>
+          <a:fillRef idx="0">
+            <a:schemeClr val="accent1"/>
+          </a:fillRef>
+          <a:effectRef idx="0">
+            <a:schemeClr val="accent1"/>
+          </a:effectRef>
+          <a:fontRef idx="minor">
+            <a:schemeClr val="tx1"/>
+          </a:fontRef>
+        </p:style>
+      </p:cxnSp>
+      <p:cxnSp>
+        <p:nvCxnSpPr>
+          <p:cNvPr id="40" name="直接箭头连接符 39"/>
+          <p:cNvCxnSpPr/>
+          <p:nvPr/>
+        </p:nvCxnSpPr>
+        <p:spPr>
+          <a:xfrm flipH="1">
+            <a:off x="2051720" y="3585692"/>
+            <a:ext cx="167663" cy="378315"/>
+          </a:xfrm>
+          <a:prstGeom prst="straightConnector1">
+            <a:avLst/>
+          </a:prstGeom>
+          <a:ln>
+            <a:solidFill>
+              <a:srgbClr val="002060"/>
+            </a:solidFill>
+            <a:tailEnd type="arrow"/>
+          </a:ln>
+        </p:spPr>
+        <p:style>
+          <a:lnRef idx="1">
+            <a:schemeClr val="accent1"/>
+          </a:lnRef>
+          <a:fillRef idx="0">
+            <a:schemeClr val="accent1"/>
+          </a:fillRef>
+          <a:effectRef idx="0">
+            <a:schemeClr val="accent1"/>
+          </a:effectRef>
+          <a:fontRef idx="minor">
+            <a:schemeClr val="tx1"/>
+          </a:fontRef>
+        </p:style>
+      </p:cxnSp>
+      <p:sp>
+        <p:nvSpPr>
+          <p:cNvPr id="44" name="下箭头 43"/>
+          <p:cNvSpPr/>
+          <p:nvPr/>
+        </p:nvSpPr>
+        <p:spPr>
+          <a:xfrm>
+            <a:off x="5958740" y="2988790"/>
+            <a:ext cx="216024" cy="692354"/>
+          </a:xfrm>
+          <a:prstGeom prst="downArrow">
+            <a:avLst/>
+          </a:prstGeom>
+          <a:solidFill>
+            <a:schemeClr val="accent2"/>
+          </a:solidFill>
+        </p:spPr>
+        <p:style>
+          <a:lnRef idx="2">
+            <a:schemeClr val="accent1">
+              <a:shade val="50000"/>
+            </a:schemeClr>
+          </a:lnRef>
+          <a:fillRef idx="1">
+            <a:schemeClr val="accent1"/>
+          </a:fillRef>
+          <a:effectRef idx="0">
+            <a:schemeClr val="accent1"/>
+          </a:effectRef>
+          <a:fontRef idx="minor">
+            <a:schemeClr val="lt1"/>
+          </a:fontRef>
+        </p:style>
+        <p:txBody>
+          <a:bodyPr rtlCol="0" anchor="ctr"/>
+          <a:lstStyle/>
+          <a:p>
+            <a:pPr algn="ctr"/>
+            <a:endParaRPr lang="zh-CN" altLang="en-US"/>
+          </a:p>
+        </p:txBody>
+      </p:sp>
+      <mc:AlternateContent xmlns:mc="http://schemas.openxmlformats.org/markup-compatibility/2006">
+        <mc:Choice xmlns:a14="http://schemas.microsoft.com/office/drawing/2010/main" Requires="a14">
+          <p:sp>
+            <p:nvSpPr>
+              <p:cNvPr id="45" name="TextBox 44"/>
+              <p:cNvSpPr txBox="1"/>
+              <p:nvPr/>
+            </p:nvSpPr>
+            <p:spPr>
+              <a:xfrm>
+                <a:off x="3917304" y="3812971"/>
+                <a:ext cx="4395049" cy="677878"/>
+              </a:xfrm>
+              <a:prstGeom prst="rect">
+                <a:avLst/>
+              </a:prstGeom>
+              <a:noFill/>
+            </p:spPr>
+            <p:txBody>
+              <a:bodyPr wrap="none" rtlCol="0">
+                <a:spAutoFit/>
+              </a:bodyPr>
+              <a:lstStyle/>
+              <a:p>
+                <a:r>
+                  <a:rPr lang="en-US" altLang="zh-CN" dirty="0" smtClean="0"/>
+                  <a:t>The simplest relation between node </a:t>
+                </a:r>
+                <a14:m>
+                  <m:oMath xmlns:m="http://schemas.openxmlformats.org/officeDocument/2006/math" xmlns="">
+                    <m:r>
+                      <a:rPr lang="en-US" altLang="zh-CN" b="0" i="1" smtClean="0">
+                        <a:latin typeface="Cambria Math"/>
+                      </a:rPr>
+                      <m:t>𝑖</m:t>
+                    </m:r>
+                  </m:oMath>
+                </a14:m>
+                <a:r>
+                  <a:rPr lang="en-US" altLang="zh-CN" b="0" dirty="0" smtClean="0"/>
+                  <a:t> and</a:t>
+                </a:r>
+              </a:p>
+              <a:p>
+                <a:r>
+                  <a:rPr lang="en-US" altLang="zh-CN" dirty="0"/>
+                  <a:t>n</a:t>
+                </a:r>
+                <a:r>
+                  <a:rPr lang="en-US" altLang="zh-CN" dirty="0" smtClean="0"/>
+                  <a:t>ode </a:t>
+                </a:r>
+                <a14:m>
+                  <m:oMath xmlns:m="http://schemas.openxmlformats.org/officeDocument/2006/math" xmlns="">
+                    <m:r>
+                      <a:rPr lang="en-US" altLang="zh-CN" b="0" i="1" smtClean="0">
+                        <a:latin typeface="Cambria Math"/>
+                      </a:rPr>
+                      <m:t>𝑗</m:t>
+                    </m:r>
+                  </m:oMath>
+                </a14:m>
+                <a:r>
+                  <a:rPr lang="en-US" altLang="zh-CN" b="0" dirty="0" smtClean="0"/>
+                  <a:t>:       </a:t>
+                </a:r>
+                <a14:m>
+                  <m:oMath xmlns:m="http://schemas.openxmlformats.org/officeDocument/2006/math" xmlns="">
+                    <m:sSub>
+                      <m:sSubPr>
+                        <m:ctrlPr>
+                          <a:rPr lang="en-US" altLang="zh-CN" b="0" i="1" smtClean="0">
+                            <a:latin typeface="Cambria Math"/>
+                          </a:rPr>
+                        </m:ctrlPr>
+                      </m:sSubPr>
+                      <m:e>
+                        <m:r>
+                          <a:rPr lang="en-US" altLang="zh-CN" b="0" i="1" smtClean="0">
+                            <a:latin typeface="Cambria Math"/>
+                          </a:rPr>
+                          <m:t>𝑏</m:t>
+                        </m:r>
+                      </m:e>
+                      <m:sub>
+                        <m:r>
+                          <a:rPr lang="en-US" altLang="zh-CN" b="0" i="1" smtClean="0">
+                            <a:latin typeface="Cambria Math"/>
+                          </a:rPr>
+                          <m:t>𝑖</m:t>
+                        </m:r>
+                      </m:sub>
+                    </m:sSub>
+                    <m:r>
+                      <a:rPr lang="en-US" altLang="zh-CN" b="0" i="1" smtClean="0">
+                        <a:latin typeface="Cambria Math"/>
+                      </a:rPr>
+                      <m:t>=</m:t>
+                    </m:r>
+                    <m:sSubSup>
+                      <m:sSubSupPr>
+                        <m:ctrlPr>
+                          <a:rPr lang="en-US" altLang="zh-CN" b="0" i="1" smtClean="0">
+                            <a:latin typeface="Cambria Math"/>
+                          </a:rPr>
+                        </m:ctrlPr>
+                      </m:sSubSupPr>
+                      <m:e>
+                        <m:r>
+                          <a:rPr lang="en-US" altLang="zh-CN" b="0" i="1" smtClean="0">
+                            <a:latin typeface="Cambria Math"/>
+                          </a:rPr>
+                          <m:t>𝑚</m:t>
+                        </m:r>
+                      </m:e>
+                      <m:sub>
+                        <m:r>
+                          <a:rPr lang="en-US" altLang="zh-CN" b="0" i="1" smtClean="0">
+                            <a:latin typeface="Cambria Math"/>
+                          </a:rPr>
+                          <m:t>𝑖𝑗</m:t>
+                        </m:r>
+                      </m:sub>
+                      <m:sup>
+                        <m:r>
+                          <a:rPr lang="en-US" altLang="zh-CN" b="0" i="1" smtClean="0">
+                            <a:latin typeface="Cambria Math"/>
+                          </a:rPr>
+                          <m:t>′</m:t>
+                        </m:r>
+                      </m:sup>
+                    </m:sSubSup>
+                    <m:r>
+                      <a:rPr lang="en-US" altLang="zh-CN" b="0" i="1" smtClean="0">
+                        <a:latin typeface="Cambria Math"/>
+                      </a:rPr>
+                      <m:t>≈</m:t>
+                    </m:r>
+                    <m:sSubSup>
+                      <m:sSubSupPr>
+                        <m:ctrlPr>
+                          <a:rPr lang="en-US" altLang="zh-CN" i="1">
+                            <a:latin typeface="Cambria Math"/>
+                          </a:rPr>
+                        </m:ctrlPr>
+                      </m:sSubSupPr>
+                      <m:e>
+                        <m:r>
+                          <a:rPr lang="en-US" altLang="zh-CN" i="1">
+                            <a:latin typeface="Cambria Math"/>
+                          </a:rPr>
+                          <m:t>𝑚</m:t>
+                        </m:r>
+                      </m:e>
+                      <m:sub>
+                        <m:r>
+                          <a:rPr lang="en-US" altLang="zh-CN" i="1">
+                            <a:latin typeface="Cambria Math"/>
+                          </a:rPr>
+                          <m:t>𝑖𝑗</m:t>
+                        </m:r>
+                      </m:sub>
+                      <m:sup>
+                        <m:r>
+                          <a:rPr lang="en-US" altLang="zh-CN" i="1">
+                            <a:latin typeface="Cambria Math"/>
+                          </a:rPr>
+                          <m:t>′</m:t>
+                        </m:r>
+                      </m:sup>
+                    </m:sSubSup>
+                    <m:r>
+                      <a:rPr lang="en-US" altLang="zh-CN" b="0" i="1" smtClean="0">
+                        <a:latin typeface="Cambria Math"/>
+                      </a:rPr>
+                      <m:t>=</m:t>
+                    </m:r>
+                    <m:sSub>
+                      <m:sSubPr>
+                        <m:ctrlPr>
+                          <a:rPr lang="en-US" altLang="zh-CN" i="1">
+                            <a:latin typeface="Cambria Math"/>
+                          </a:rPr>
+                        </m:ctrlPr>
+                      </m:sSubPr>
+                      <m:e>
+                        <m:r>
+                          <a:rPr lang="en-US" altLang="zh-CN" i="1">
+                            <a:latin typeface="Cambria Math"/>
+                          </a:rPr>
+                          <m:t>𝑏</m:t>
+                        </m:r>
+                      </m:e>
+                      <m:sub>
+                        <m:r>
+                          <a:rPr lang="en-US" altLang="zh-CN" i="1">
+                            <a:latin typeface="Cambria Math"/>
+                          </a:rPr>
+                          <m:t>𝑖</m:t>
+                        </m:r>
+                      </m:sub>
+                    </m:sSub>
+                  </m:oMath>
+                </a14:m>
+                <a:endParaRPr lang="en-US" altLang="zh-CN" b="0" dirty="0" smtClean="0"/>
+              </a:p>
+            </p:txBody>
+          </p:sp>
+        </mc:Choice>
+        <mc:Fallback>
+          <p:sp>
+            <p:nvSpPr>
+              <p:cNvPr id="45" name="TextBox 44"/>
+              <p:cNvSpPr txBox="1">
+                <a:spLocks noRot="1" noChangeAspect="1" noMove="1" noResize="1" noEditPoints="1" noAdjustHandles="1" noChangeArrowheads="1" noChangeShapeType="1" noTextEdit="1"/>
+              </p:cNvSpPr>
+              <p:nvPr/>
+            </p:nvSpPr>
+            <p:spPr>
+              <a:xfrm>
+                <a:off x="3917304" y="3812971"/>
+                <a:ext cx="4395049" cy="677878"/>
+              </a:xfrm>
+              <a:prstGeom prst="rect">
+                <a:avLst/>
+              </a:prstGeom>
+              <a:blipFill rotWithShape="1">
+                <a:blip r:embed="rId10"/>
+                <a:stretch>
+                  <a:fillRect/>
+                </a:stretch>
+              </a:blipFill>
+            </p:spPr>
+            <p:txBody>
+              <a:bodyPr/>
+              <a:lstStyle/>
+              <a:p>
+                <a:r>
+                  <a:rPr lang="en-US">
+                    <a:noFill/>
+                  </a:rPr>
+                  <a:t> </a:t>
+                </a:r>
+              </a:p>
+            </p:txBody>
+          </p:sp>
+        </mc:Fallback>
+      </mc:AlternateContent>
+      <p:sp>
+        <p:nvSpPr>
+          <p:cNvPr id="46" name="下箭头 45"/>
+          <p:cNvSpPr/>
+          <p:nvPr/>
+        </p:nvSpPr>
+        <p:spPr>
+          <a:xfrm>
+            <a:off x="5958740" y="4629142"/>
+            <a:ext cx="216024" cy="519887"/>
+          </a:xfrm>
+          <a:prstGeom prst="downArrow">
+            <a:avLst/>
+          </a:prstGeom>
+          <a:solidFill>
+            <a:schemeClr val="accent2"/>
+          </a:solidFill>
+        </p:spPr>
+        <p:style>
+          <a:lnRef idx="2">
+            <a:schemeClr val="accent1">
+              <a:shade val="50000"/>
+            </a:schemeClr>
+          </a:lnRef>
+          <a:fillRef idx="1">
+            <a:schemeClr val="accent1"/>
+          </a:fillRef>
+          <a:effectRef idx="0">
+            <a:schemeClr val="accent1"/>
+          </a:effectRef>
+          <a:fontRef idx="minor">
+            <a:schemeClr val="lt1"/>
+          </a:fontRef>
+        </p:style>
+        <p:txBody>
+          <a:bodyPr rtlCol="0" anchor="ctr"/>
+          <a:lstStyle/>
+          <a:p>
+            <a:pPr algn="ctr"/>
+            <a:endParaRPr lang="zh-CN" altLang="en-US"/>
+          </a:p>
+        </p:txBody>
+      </p:sp>
+      <p:sp>
+        <p:nvSpPr>
+          <p:cNvPr id="47" name="TextBox 46"/>
+          <p:cNvSpPr txBox="1"/>
+          <p:nvPr/>
+        </p:nvSpPr>
+        <p:spPr>
+          <a:xfrm>
+            <a:off x="3964409" y="4719808"/>
+            <a:ext cx="1843774" cy="338554"/>
+          </a:xfrm>
+          <a:prstGeom prst="rect">
+            <a:avLst/>
+          </a:prstGeom>
+          <a:noFill/>
+          <a:ln>
+            <a:solidFill>
+              <a:srgbClr val="002060"/>
+            </a:solidFill>
+          </a:ln>
+        </p:spPr>
+        <p:txBody>
+          <a:bodyPr wrap="none" rtlCol="0">
+            <a:spAutoFit/>
+          </a:bodyPr>
+          <a:lstStyle/>
+          <a:p>
+            <a:r>
+              <a:rPr lang="en-US" altLang="zh-CN" sz="1600" b="0" dirty="0" smtClean="0"/>
+              <a:t>Add slack variable</a:t>
+            </a:r>
+          </a:p>
+        </p:txBody>
+      </p:sp>
+      <mc:AlternateContent xmlns:mc="http://schemas.openxmlformats.org/markup-compatibility/2006">
+        <mc:Choice xmlns:a14="http://schemas.microsoft.com/office/drawing/2010/main" Requires="a14">
+          <p:sp>
+            <p:nvSpPr>
+              <p:cNvPr id="48" name="TextBox 47"/>
+              <p:cNvSpPr txBox="1"/>
+              <p:nvPr/>
+            </p:nvSpPr>
+            <p:spPr>
+              <a:xfrm>
+                <a:off x="4773770" y="5293045"/>
+                <a:ext cx="2585964" cy="677878"/>
+              </a:xfrm>
+              <a:prstGeom prst="rect">
+                <a:avLst/>
+              </a:prstGeom>
+              <a:noFill/>
+            </p:spPr>
+            <p:txBody>
+              <a:bodyPr wrap="none" rtlCol="0">
+                <a:spAutoFit/>
+              </a:bodyPr>
+              <a:lstStyle/>
+              <a:p>
+                <a14:m>
+                  <m:oMathPara xmlns:m="http://schemas.openxmlformats.org/officeDocument/2006/math" xmlns="">
+                    <m:oMathParaPr>
+                      <m:jc m:val="centerGroup"/>
+                    </m:oMathParaPr>
+                    <m:oMath xmlns:m="http://schemas.openxmlformats.org/officeDocument/2006/math">
+                      <m:sSub>
+                        <m:sSubPr>
+                          <m:ctrlPr>
+                            <a:rPr lang="en-US" altLang="zh-CN" b="0" i="1" smtClean="0">
+                              <a:latin typeface="Cambria Math"/>
+                            </a:rPr>
+                          </m:ctrlPr>
+                        </m:sSubPr>
+                        <m:e>
+                          <m:r>
+                            <a:rPr lang="en-US" altLang="zh-CN" b="0" i="1" smtClean="0">
+                              <a:latin typeface="Cambria Math"/>
+                            </a:rPr>
+                            <m:t>𝑏</m:t>
+                          </m:r>
+                        </m:e>
+                        <m:sub>
+                          <m:r>
+                            <a:rPr lang="en-US" altLang="zh-CN" b="0" i="1" smtClean="0">
+                              <a:latin typeface="Cambria Math"/>
+                            </a:rPr>
+                            <m:t>𝑖</m:t>
+                          </m:r>
+                        </m:sub>
+                      </m:sSub>
+                      <m:r>
+                        <a:rPr lang="en-US" altLang="zh-CN" b="0" i="1" smtClean="0">
+                          <a:latin typeface="Cambria Math"/>
+                        </a:rPr>
+                        <m:t>−</m:t>
+                      </m:r>
+                      <m:sSub>
+                        <m:sSubPr>
+                          <m:ctrlPr>
+                            <a:rPr lang="en-US" altLang="zh-CN" b="0" i="1" smtClean="0">
+                              <a:latin typeface="Cambria Math"/>
+                            </a:rPr>
+                          </m:ctrlPr>
+                        </m:sSubPr>
+                        <m:e>
+                          <m:r>
+                            <a:rPr lang="en-US" altLang="zh-CN" b="0" i="1" smtClean="0">
+                              <a:latin typeface="Cambria Math"/>
+                            </a:rPr>
+                            <m:t>𝑠</m:t>
+                          </m:r>
+                        </m:e>
+                        <m:sub>
+                          <m:r>
+                            <a:rPr lang="en-US" altLang="zh-CN" b="0" i="1" smtClean="0">
+                              <a:latin typeface="Cambria Math"/>
+                            </a:rPr>
+                            <m:t>𝑖</m:t>
+                          </m:r>
+                        </m:sub>
+                      </m:sSub>
+                      <m:r>
+                        <a:rPr lang="en-US" altLang="zh-CN" b="0" i="1" smtClean="0">
+                          <a:latin typeface="Cambria Math"/>
+                        </a:rPr>
+                        <m:t>≤</m:t>
+                      </m:r>
+                      <m:sSubSup>
+                        <m:sSubSupPr>
+                          <m:ctrlPr>
+                            <a:rPr lang="en-US" altLang="zh-CN" b="0" i="1" smtClean="0">
+                              <a:latin typeface="Cambria Math"/>
+                            </a:rPr>
+                          </m:ctrlPr>
+                        </m:sSubSupPr>
+                        <m:e>
+                          <m:r>
+                            <a:rPr lang="en-US" altLang="zh-CN" b="0" i="1" smtClean="0">
+                              <a:latin typeface="Cambria Math"/>
+                            </a:rPr>
+                            <m:t>𝑚</m:t>
+                          </m:r>
+                        </m:e>
+                        <m:sub>
+                          <m:r>
+                            <a:rPr lang="en-US" altLang="zh-CN" b="0" i="1" smtClean="0">
+                              <a:latin typeface="Cambria Math"/>
+                            </a:rPr>
+                            <m:t>𝑖𝑗</m:t>
+                          </m:r>
+                        </m:sub>
+                        <m:sup>
+                          <m:r>
+                            <a:rPr lang="en-US" altLang="zh-CN" b="0" i="1" smtClean="0">
+                              <a:latin typeface="Cambria Math"/>
+                            </a:rPr>
+                            <m:t>′</m:t>
+                          </m:r>
+                        </m:sup>
+                      </m:sSubSup>
+                    </m:oMath>
+                  </m:oMathPara>
+                </a14:m>
+                <a:endParaRPr lang="en-US" altLang="zh-CN" b="0" dirty="0" smtClean="0"/>
+              </a:p>
+              <a:p>
+                <a:r>
+                  <a:rPr lang="en-US" altLang="zh-CN" dirty="0" smtClean="0"/>
+                  <a:t>And minimize the error</a:t>
+                </a:r>
+                <a:endParaRPr lang="en-US" altLang="zh-CN" b="0" dirty="0" smtClean="0"/>
+              </a:p>
+            </p:txBody>
+          </p:sp>
+        </mc:Choice>
+        <mc:Fallback>
+          <p:sp>
+            <p:nvSpPr>
+              <p:cNvPr id="48" name="TextBox 47"/>
+              <p:cNvSpPr txBox="1">
+                <a:spLocks noRot="1" noChangeAspect="1" noMove="1" noResize="1" noEditPoints="1" noAdjustHandles="1" noChangeArrowheads="1" noChangeShapeType="1" noTextEdit="1"/>
+              </p:cNvSpPr>
+              <p:nvPr/>
+            </p:nvSpPr>
+            <p:spPr>
+              <a:xfrm>
+                <a:off x="4773770" y="5293045"/>
+                <a:ext cx="2585964" cy="677878"/>
+              </a:xfrm>
+              <a:prstGeom prst="rect">
+                <a:avLst/>
+              </a:prstGeom>
+              <a:blipFill rotWithShape="1">
+                <a:blip r:embed="rId11"/>
+                <a:stretch>
+                  <a:fillRect/>
+                </a:stretch>
+              </a:blipFill>
+            </p:spPr>
+            <p:txBody>
+              <a:bodyPr/>
+              <a:lstStyle/>
+              <a:p>
+                <a:r>
+                  <a:rPr lang="en-US">
+                    <a:noFill/>
+                  </a:rPr>
+                  <a:t> </a:t>
+                </a:r>
+              </a:p>
+            </p:txBody>
+          </p:sp>
+        </mc:Fallback>
+      </mc:AlternateContent>
+      <p:pic>
+        <p:nvPicPr>
+          <p:cNvPr id="3" name="Picture 2" descr="The Implementation and Application of Multiclass belief propagation on hadoop page5.pdf"/>
+          <p:cNvPicPr>
+            <a:picLocks noChangeAspect="1"/>
+          </p:cNvPicPr>
+          <p:nvPr/>
+        </p:nvPicPr>
+        <p:blipFill>
+          <a:blip r:embed="rId12">
+            <a:extLst>
+              <a:ext uri="{28A0092B-C50C-407E-A947-70E740481C1C}">
+                <a14:useLocalDpi xmlns:a14="http://schemas.microsoft.com/office/drawing/2010/main" val="0"/>
+              </a:ext>
+            </a:extLst>
+          </a:blip>
+          <a:stretch>
+            <a:fillRect/>
+          </a:stretch>
+        </p:blipFill>
+        <p:spPr>
+          <a:xfrm>
+            <a:off x="0" y="0"/>
+            <a:ext cx="9144000" cy="6858000"/>
+          </a:xfrm>
+          <a:prstGeom prst="rect">
+            <a:avLst/>
+          </a:prstGeom>
+        </p:spPr>
+      </p:pic>
     </p:spTree>
     <p:extLst>
       <p:ext uri="{BB962C8B-B14F-4D97-AF65-F5344CB8AC3E}">
-        <p14:creationId xmlns:p14="http://schemas.microsoft.com/office/powerpoint/2010/main" val="1499250039"/>
+        <p14:creationId xmlns:p14="http://schemas.microsoft.com/office/powerpoint/2010/main" val="2233034595"/>
       </p:ext>
     </p:extLst>
   </p:cSld>
@@ -8102,7 +10251,7 @@
           <a:p>
             <a:r>
               <a:rPr lang="en-US" altLang="zh-CN" dirty="0" smtClean="0"/>
-              <a:t>Experiments</a:t>
+              <a:t>Error Correcting Code</a:t>
             </a:r>
             <a:endParaRPr lang="zh-CN" altLang="en-US" dirty="0"/>
           </a:p>
@@ -8125,45 +10274,59 @@
           <a:p>
             <a:r>
               <a:rPr lang="en-US" altLang="zh-CN" dirty="0" smtClean="0"/>
-              <a:t>Convergence Detection</a:t>
-            </a:r>
-          </a:p>
-        </p:txBody>
-      </p:sp>
-      <p:pic>
-        <p:nvPicPr>
-          <p:cNvPr id="4" name="Picture 3" descr="Converge.png"/>
-          <p:cNvPicPr>
-            <a:picLocks noChangeAspect="1"/>
-          </p:cNvPicPr>
-          <p:nvPr/>
-        </p:nvPicPr>
-        <p:blipFill>
-          <a:blip r:embed="rId3">
-            <a:extLst>
-              <a:ext uri="{28A0092B-C50C-407E-A947-70E740481C1C}">
-                <a14:useLocalDpi xmlns:a14="http://schemas.microsoft.com/office/drawing/2010/main" val="0"/>
-              </a:ext>
-            </a:extLst>
-          </a:blip>
-          <a:stretch>
-            <a:fillRect/>
-          </a:stretch>
-        </p:blipFill>
-        <p:spPr>
-          <a:xfrm>
-            <a:off x="1979712" y="2348880"/>
-            <a:ext cx="5355767" cy="3759980"/>
-          </a:xfrm>
-          <a:prstGeom prst="rect">
-            <a:avLst/>
-          </a:prstGeom>
-        </p:spPr>
-      </p:pic>
+              <a:t>Introduction:</a:t>
+            </a:r>
+          </a:p>
+          <a:p>
+            <a:pPr lvl="1"/>
+            <a:r>
+              <a:rPr lang="en-US" altLang="zh-CN" dirty="0" smtClean="0"/>
+              <a:t>Given k-classes, for each class, design a N-bit zero-one code.</a:t>
+            </a:r>
+          </a:p>
+          <a:p>
+            <a:pPr lvl="1"/>
+            <a:r>
+              <a:rPr lang="en-US" altLang="zh-CN" dirty="0" smtClean="0"/>
+              <a:t>For a given example, run the binary classifier N times for each bit position to calculate the probability that value of that bit is one.</a:t>
+            </a:r>
+          </a:p>
+          <a:p>
+            <a:pPr lvl="1"/>
+            <a:r>
+              <a:rPr lang="en-US" altLang="zh-CN" dirty="0" smtClean="0"/>
+              <a:t>Combine the N results, decide the final label.</a:t>
+            </a:r>
+          </a:p>
+          <a:p>
+            <a:pPr lvl="2"/>
+            <a:r>
+              <a:rPr lang="en-US" altLang="zh-CN" dirty="0" smtClean="0"/>
+              <a:t>Hamming distance</a:t>
+            </a:r>
+          </a:p>
+          <a:p>
+            <a:pPr lvl="2"/>
+            <a:r>
+              <a:rPr lang="en-US" altLang="zh-CN" dirty="0" smtClean="0"/>
+              <a:t>Loss function based.</a:t>
+            </a:r>
+            <a:endParaRPr lang="en-US" altLang="zh-CN" dirty="0"/>
+          </a:p>
+          <a:p>
+            <a:pPr lvl="1"/>
+            <a:r>
+              <a:rPr lang="en-US" altLang="zh-CN" dirty="0" smtClean="0"/>
+              <a:t>The popular One-VS-All method is a special case of ECOC families.</a:t>
+            </a:r>
+            <a:endParaRPr lang="en-US" altLang="zh-CN" dirty="0"/>
+          </a:p>
+        </p:txBody>
+      </p:sp>
     </p:spTree>
     <p:extLst>
       <p:ext uri="{BB962C8B-B14F-4D97-AF65-F5344CB8AC3E}">
-        <p14:creationId xmlns:p14="http://schemas.microsoft.com/office/powerpoint/2010/main" val="1745701820"/>
+        <p14:creationId xmlns:p14="http://schemas.microsoft.com/office/powerpoint/2010/main" val="4237023300"/>
       </p:ext>
     </p:extLst>
   </p:cSld>
@@ -8230,73 +10393,83 @@
             <p:ph sz="quarter" idx="1"/>
           </p:nvPr>
         </p:nvSpPr>
-        <p:spPr>
-          <a:xfrm>
-            <a:off x="301752" y="1527048"/>
-            <a:ext cx="8503920" cy="1109864"/>
-          </a:xfrm>
-        </p:spPr>
+        <p:spPr/>
         <p:txBody>
           <a:bodyPr/>
           <a:lstStyle/>
           <a:p>
             <a:r>
               <a:rPr lang="en-US" altLang="zh-CN" dirty="0" smtClean="0"/>
-              <a:t>Run general BP, </a:t>
-            </a:r>
-            <a:r>
-              <a:rPr lang="en-US" altLang="zh-CN" dirty="0" err="1" smtClean="0"/>
-              <a:t>FastBP</a:t>
-            </a:r>
+              <a:t>Results on datasets.</a:t>
+            </a:r>
+          </a:p>
+          <a:p>
+            <a:endParaRPr lang="en-US" altLang="zh-CN" dirty="0"/>
+          </a:p>
+          <a:p>
+            <a:endParaRPr lang="en-US" altLang="zh-CN" dirty="0" smtClean="0"/>
+          </a:p>
+          <a:p>
+            <a:endParaRPr lang="en-US" altLang="zh-CN" dirty="0"/>
+          </a:p>
+          <a:p>
+            <a:endParaRPr lang="en-US" altLang="zh-CN" dirty="0" smtClean="0"/>
+          </a:p>
+          <a:p>
             <a:r>
               <a:rPr lang="en-US" altLang="zh-CN" dirty="0" smtClean="0"/>
-              <a:t>, Multi-class </a:t>
-            </a:r>
-            <a:r>
-              <a:rPr lang="en-US" altLang="zh-CN" dirty="0" err="1" smtClean="0"/>
-              <a:t>FastBP</a:t>
-            </a:r>
+              <a:t>Analysis</a:t>
+            </a:r>
+          </a:p>
+          <a:p>
+            <a:pPr lvl="1"/>
             <a:r>
               <a:rPr lang="en-US" altLang="zh-CN" dirty="0" smtClean="0"/>
-              <a:t> on following datasets: Amazon, Flickr, DBLP, </a:t>
-            </a:r>
-            <a:r>
-              <a:rPr lang="en-US" altLang="zh-CN" dirty="0" err="1" smtClean="0"/>
-              <a:t>Tencent</a:t>
-            </a:r>
+              <a:t>One-VS-All has the best average accuracy.</a:t>
+            </a:r>
+          </a:p>
+          <a:p>
+            <a:pPr lvl="1"/>
             <a:r>
               <a:rPr lang="en-US" altLang="zh-CN" dirty="0" smtClean="0"/>
-              <a:t>.</a:t>
-            </a:r>
-          </a:p>
-          <a:p>
-            <a:endParaRPr lang="en-US" altLang="zh-CN" dirty="0" smtClean="0"/>
+              <a:t>Multiclass BP tends to give every node the same label, not as reliable as One-VS-All and ECOC approach.</a:t>
+            </a:r>
+          </a:p>
+          <a:p>
+            <a:pPr lvl="1"/>
+            <a:r>
+              <a:rPr lang="en-US" altLang="zh-CN" dirty="0" smtClean="0"/>
+              <a:t>ECOC performs slightly worse than One-VS-all in experiments.</a:t>
+            </a:r>
           </a:p>
           <a:p>
             <a:pPr marL="0" indent="0">
               <a:buNone/>
             </a:pPr>
+            <a:endParaRPr lang="en-US" altLang="zh-CN" dirty="0" smtClean="0"/>
+          </a:p>
+          <a:p>
             <a:endParaRPr lang="zh-CN" altLang="en-US" dirty="0"/>
           </a:p>
         </p:txBody>
       </p:sp>
       <p:graphicFrame>
         <p:nvGraphicFramePr>
-          <p:cNvPr id="4" name="Table 3"/>
+          <p:cNvPr id="4" name="表格 3"/>
           <p:cNvGraphicFramePr>
             <a:graphicFrameLocks noGrp="1"/>
           </p:cNvGraphicFramePr>
           <p:nvPr>
             <p:extLst>
               <p:ext uri="{D42A27DB-BD31-4B8C-83A1-F6EECF244321}">
-                <p14:modId xmlns:p14="http://schemas.microsoft.com/office/powerpoint/2010/main" val="4270298438"/>
+                <p14:modId xmlns:p14="http://schemas.microsoft.com/office/powerpoint/2010/main" val="3871957398"/>
               </p:ext>
             </p:extLst>
           </p:nvPr>
         </p:nvGraphicFramePr>
         <p:xfrm>
-          <a:off x="827584" y="2780928"/>
-          <a:ext cx="7200800" cy="2808314"/>
+          <a:off x="1331640" y="2132856"/>
+          <a:ext cx="6096000" cy="1828800"/>
         </p:xfrm>
         <a:graphic>
           <a:graphicData uri="http://schemas.openxmlformats.org/drawingml/2006/table">
@@ -8305,22 +10478,22 @@
                 <a:tableStyleId>{5C22544A-7EE6-4342-B048-85BDC9FD1C3A}</a:tableStyleId>
               </a:tblPr>
               <a:tblGrid>
-                <a:gridCol w="1800200"/>
-                <a:gridCol w="1656184"/>
-                <a:gridCol w="1944216"/>
-                <a:gridCol w="1800200"/>
+                <a:gridCol w="1524000"/>
+                <a:gridCol w="1524000"/>
+                <a:gridCol w="1524000"/>
+                <a:gridCol w="1524000"/>
               </a:tblGrid>
-              <a:tr h="382198">
+              <a:tr h="322555">
                 <a:tc>
                   <a:txBody>
                     <a:bodyPr/>
                     <a:lstStyle/>
                     <a:p>
                       <a:r>
-                        <a:rPr lang="en-US" dirty="0" smtClean="0"/>
-                        <a:t>Datasets</a:t>
+                        <a:rPr lang="en-US" altLang="zh-CN" dirty="0" smtClean="0"/>
+                        <a:t>Dataset</a:t>
                       </a:r>
-                      <a:endParaRPr lang="en-US" dirty="0"/>
+                      <a:endParaRPr lang="zh-CN" altLang="en-US" dirty="0"/>
                     </a:p>
                   </a:txBody>
                   <a:tcPr/>
@@ -8331,10 +10504,10 @@
                     <a:lstStyle/>
                     <a:p>
                       <a:r>
-                        <a:rPr lang="en-US" dirty="0" smtClean="0"/>
-                        <a:t>BP</a:t>
+                        <a:rPr lang="en-US" altLang="zh-CN" dirty="0" smtClean="0"/>
+                        <a:t>MBP</a:t>
                       </a:r>
-                      <a:endParaRPr lang="en-US" dirty="0"/>
+                      <a:endParaRPr lang="zh-CN" altLang="en-US" dirty="0"/>
                     </a:p>
                   </a:txBody>
                   <a:tcPr/>
@@ -8345,10 +10518,10 @@
                     <a:lstStyle/>
                     <a:p>
                       <a:r>
-                        <a:rPr lang="en-US" dirty="0" smtClean="0"/>
-                        <a:t>OVA</a:t>
+                        <a:rPr lang="en-US" altLang="zh-CN" dirty="0" smtClean="0"/>
+                        <a:t>One-VS-All</a:t>
                       </a:r>
-                      <a:endParaRPr lang="en-US" dirty="0"/>
+                      <a:endParaRPr lang="zh-CN" altLang="en-US" dirty="0"/>
                     </a:p>
                   </a:txBody>
                   <a:tcPr/>
@@ -8359,26 +10532,26 @@
                     <a:lstStyle/>
                     <a:p>
                       <a:r>
-                        <a:rPr lang="en-US" dirty="0" smtClean="0"/>
+                        <a:rPr lang="en-US" altLang="zh-CN" dirty="0" smtClean="0"/>
                         <a:t>ECOC</a:t>
                       </a:r>
-                      <a:endParaRPr lang="en-US" dirty="0"/>
+                      <a:endParaRPr lang="zh-CN" altLang="en-US" dirty="0"/>
                     </a:p>
                   </a:txBody>
                   <a:tcPr/>
                 </a:tc>
               </a:tr>
-              <a:tr h="606529">
+              <a:tr h="322555">
                 <a:tc>
                   <a:txBody>
                     <a:bodyPr/>
                     <a:lstStyle/>
                     <a:p>
                       <a:r>
-                        <a:rPr lang="en-US" sz="2400" dirty="0" smtClean="0"/>
+                        <a:rPr lang="en-US" altLang="zh-CN" dirty="0" smtClean="0"/>
                         <a:t>DBLP</a:t>
                       </a:r>
-                      <a:endParaRPr lang="en-US" sz="2400" dirty="0"/>
+                      <a:endParaRPr lang="zh-CN" altLang="en-US" dirty="0"/>
                     </a:p>
                   </a:txBody>
                   <a:tcPr/>
@@ -8389,10 +10562,10 @@
                     <a:lstStyle/>
                     <a:p>
                       <a:r>
-                        <a:rPr lang="en-US" sz="2400" dirty="0" smtClean="0"/>
+                        <a:rPr lang="en-US" altLang="zh-CN" dirty="0" smtClean="0"/>
                         <a:t>0.17</a:t>
                       </a:r>
-                      <a:endParaRPr lang="en-US" sz="2400" dirty="0"/>
+                      <a:endParaRPr lang="zh-CN" altLang="en-US" dirty="0"/>
                     </a:p>
                   </a:txBody>
                   <a:tcPr/>
@@ -8403,10 +10576,10 @@
                     <a:lstStyle/>
                     <a:p>
                       <a:r>
-                        <a:rPr lang="en-US" sz="2400" b="1" dirty="0" smtClean="0"/>
+                        <a:rPr lang="en-US" altLang="zh-CN" b="1" dirty="0" smtClean="0"/>
                         <a:t>0.776</a:t>
                       </a:r>
-                      <a:endParaRPr lang="en-US" sz="2400" b="1" dirty="0"/>
+                      <a:endParaRPr lang="zh-CN" altLang="en-US" b="1" dirty="0"/>
                     </a:p>
                   </a:txBody>
                   <a:tcPr/>
@@ -8417,26 +10590,26 @@
                     <a:lstStyle/>
                     <a:p>
                       <a:r>
-                        <a:rPr lang="en-US" sz="2400" dirty="0" smtClean="0"/>
+                        <a:rPr lang="en-US" altLang="zh-CN" dirty="0" smtClean="0"/>
                         <a:t>0.726</a:t>
                       </a:r>
-                      <a:endParaRPr lang="en-US" sz="2400" dirty="0"/>
+                      <a:endParaRPr lang="zh-CN" altLang="en-US" dirty="0"/>
                     </a:p>
                   </a:txBody>
                   <a:tcPr/>
                 </a:tc>
               </a:tr>
-              <a:tr h="606529">
+              <a:tr h="322555">
                 <a:tc>
                   <a:txBody>
                     <a:bodyPr/>
                     <a:lstStyle/>
                     <a:p>
                       <a:r>
-                        <a:rPr lang="en-US" sz="2400" dirty="0" smtClean="0"/>
+                        <a:rPr lang="en-US" altLang="zh-CN" dirty="0" smtClean="0"/>
                         <a:t>Flickr</a:t>
                       </a:r>
-                      <a:endParaRPr lang="en-US" sz="2400" dirty="0"/>
+                      <a:endParaRPr lang="zh-CN" altLang="en-US" dirty="0"/>
                     </a:p>
                   </a:txBody>
                   <a:tcPr/>
@@ -8446,11 +10619,36 @@
                     <a:bodyPr/>
                     <a:lstStyle/>
                     <a:p>
+                      <a:pPr marL="0" marR="0" indent="0" algn="l" defTabSz="914400" rtl="0" eaLnBrk="1" fontAlgn="auto" latinLnBrk="0" hangingPunct="1">
+                        <a:lnSpc>
+                          <a:spcPct val="100000"/>
+                        </a:lnSpc>
+                        <a:spcBef>
+                          <a:spcPts val="0"/>
+                        </a:spcBef>
+                        <a:spcAft>
+                          <a:spcPts val="0"/>
+                        </a:spcAft>
+                        <a:buClrTx/>
+                        <a:buSzTx/>
+                        <a:buFontTx/>
+                        <a:buNone/>
+                        <a:tabLst/>
+                        <a:defRPr/>
+                      </a:pPr>
                       <a:r>
-                        <a:rPr lang="en-US" sz="2400" b="1" dirty="0" smtClean="0"/>
-                        <a:t>0.653</a:t>
+                        <a:rPr kumimoji="0" lang="en-US" altLang="zh-CN" sz="1800" b="1" kern="1200" dirty="0" smtClean="0">
+                          <a:solidFill>
+                            <a:schemeClr val="dk1"/>
+                          </a:solidFill>
+                          <a:effectLst/>
+                          <a:latin typeface="+mn-lt"/>
+                          <a:ea typeface="+mn-ea"/>
+                          <a:cs typeface="+mn-cs"/>
+                        </a:rPr>
+                        <a:t>0.653 </a:t>
                       </a:r>
-                      <a:endParaRPr lang="en-US" sz="2400" b="1" dirty="0"/>
+                      <a:endParaRPr lang="zh-CN" altLang="en-US" b="1" dirty="0" smtClean="0"/>
                     </a:p>
                   </a:txBody>
                   <a:tcPr/>
@@ -8460,11 +10658,36 @@
                     <a:bodyPr/>
                     <a:lstStyle/>
                     <a:p>
+                      <a:pPr marL="0" marR="0" indent="0" algn="l" defTabSz="914400" rtl="0" eaLnBrk="1" fontAlgn="auto" latinLnBrk="0" hangingPunct="1">
+                        <a:lnSpc>
+                          <a:spcPct val="100000"/>
+                        </a:lnSpc>
+                        <a:spcBef>
+                          <a:spcPts val="0"/>
+                        </a:spcBef>
+                        <a:spcAft>
+                          <a:spcPts val="0"/>
+                        </a:spcAft>
+                        <a:buClrTx/>
+                        <a:buSzTx/>
+                        <a:buFontTx/>
+                        <a:buNone/>
+                        <a:tabLst/>
+                        <a:defRPr/>
+                      </a:pPr>
                       <a:r>
-                        <a:rPr lang="en-US" sz="2400" dirty="0" smtClean="0"/>
-                        <a:t>0.421</a:t>
+                        <a:rPr kumimoji="0" lang="en-US" altLang="zh-CN" sz="1800" kern="1200" dirty="0" smtClean="0">
+                          <a:solidFill>
+                            <a:schemeClr val="dk1"/>
+                          </a:solidFill>
+                          <a:effectLst/>
+                          <a:latin typeface="+mn-lt"/>
+                          <a:ea typeface="+mn-ea"/>
+                          <a:cs typeface="+mn-cs"/>
+                        </a:rPr>
+                        <a:t>0.421 </a:t>
                       </a:r>
-                      <a:endParaRPr lang="en-US" sz="2400" dirty="0"/>
+                      <a:endParaRPr lang="zh-CN" altLang="en-US" dirty="0" smtClean="0"/>
                     </a:p>
                   </a:txBody>
                   <a:tcPr/>
@@ -8474,27 +10697,52 @@
                     <a:bodyPr/>
                     <a:lstStyle/>
                     <a:p>
+                      <a:pPr marL="0" marR="0" indent="0" algn="l" defTabSz="914400" rtl="0" eaLnBrk="1" fontAlgn="auto" latinLnBrk="0" hangingPunct="1">
+                        <a:lnSpc>
+                          <a:spcPct val="100000"/>
+                        </a:lnSpc>
+                        <a:spcBef>
+                          <a:spcPts val="0"/>
+                        </a:spcBef>
+                        <a:spcAft>
+                          <a:spcPts val="0"/>
+                        </a:spcAft>
+                        <a:buClrTx/>
+                        <a:buSzTx/>
+                        <a:buFontTx/>
+                        <a:buNone/>
+                        <a:tabLst/>
+                        <a:defRPr/>
+                      </a:pPr>
                       <a:r>
-                        <a:rPr lang="en-US" sz="2400" dirty="0" smtClean="0"/>
-                        <a:t>0.13</a:t>
+                        <a:rPr kumimoji="0" lang="en-US" altLang="zh-CN" sz="1800" kern="1200" dirty="0" smtClean="0">
+                          <a:solidFill>
+                            <a:schemeClr val="dk1"/>
+                          </a:solidFill>
+                          <a:effectLst/>
+                          <a:latin typeface="+mn-lt"/>
+                          <a:ea typeface="+mn-ea"/>
+                          <a:cs typeface="+mn-cs"/>
+                        </a:rPr>
+                        <a:t>0.13 </a:t>
                       </a:r>
-                      <a:endParaRPr lang="en-US" sz="2400" dirty="0"/>
+                      <a:endParaRPr lang="zh-CN" altLang="en-US" dirty="0" smtClean="0"/>
                     </a:p>
                   </a:txBody>
                   <a:tcPr/>
                 </a:tc>
               </a:tr>
-              <a:tr h="606529">
+              <a:tr h="322555">
                 <a:tc>
                   <a:txBody>
                     <a:bodyPr/>
                     <a:lstStyle/>
                     <a:p>
                       <a:r>
-                        <a:rPr lang="en-US" sz="2400" dirty="0" err="1" smtClean="0"/>
+                        <a:rPr lang="en-US" altLang="zh-CN" dirty="0" err="1" smtClean="0"/>
                         <a:t>Tencent</a:t>
                       </a:r>
-                      <a:endParaRPr lang="en-US" sz="2400" dirty="0"/>
+                      <a:endParaRPr lang="zh-CN" altLang="en-US" dirty="0"/>
                     </a:p>
                   </a:txBody>
                   <a:tcPr/>
@@ -8504,11 +10752,36 @@
                     <a:bodyPr/>
                     <a:lstStyle/>
                     <a:p>
+                      <a:pPr marL="0" marR="0" indent="0" algn="l" defTabSz="914400" rtl="0" eaLnBrk="1" fontAlgn="auto" latinLnBrk="0" hangingPunct="1">
+                        <a:lnSpc>
+                          <a:spcPct val="100000"/>
+                        </a:lnSpc>
+                        <a:spcBef>
+                          <a:spcPts val="0"/>
+                        </a:spcBef>
+                        <a:spcAft>
+                          <a:spcPts val="0"/>
+                        </a:spcAft>
+                        <a:buClrTx/>
+                        <a:buSzTx/>
+                        <a:buFontTx/>
+                        <a:buNone/>
+                        <a:tabLst/>
+                        <a:defRPr/>
+                      </a:pPr>
                       <a:r>
-                        <a:rPr lang="en-US" sz="2400" dirty="0" smtClean="0"/>
-                        <a:t>0.953</a:t>
+                        <a:rPr kumimoji="0" lang="en-US" altLang="zh-CN" sz="1800" kern="1200" dirty="0" smtClean="0">
+                          <a:solidFill>
+                            <a:schemeClr val="dk1"/>
+                          </a:solidFill>
+                          <a:effectLst/>
+                          <a:latin typeface="+mn-lt"/>
+                          <a:ea typeface="+mn-ea"/>
+                          <a:cs typeface="+mn-cs"/>
+                        </a:rPr>
+                        <a:t>0.953 </a:t>
                       </a:r>
-                      <a:endParaRPr lang="en-US" sz="2400" dirty="0"/>
+                      <a:endParaRPr lang="zh-CN" altLang="en-US" dirty="0" smtClean="0"/>
                     </a:p>
                   </a:txBody>
                   <a:tcPr/>
@@ -8518,11 +10791,36 @@
                     <a:bodyPr/>
                     <a:lstStyle/>
                     <a:p>
+                      <a:pPr marL="0" marR="0" indent="0" algn="l" defTabSz="914400" rtl="0" eaLnBrk="1" fontAlgn="auto" latinLnBrk="0" hangingPunct="1">
+                        <a:lnSpc>
+                          <a:spcPct val="100000"/>
+                        </a:lnSpc>
+                        <a:spcBef>
+                          <a:spcPts val="0"/>
+                        </a:spcBef>
+                        <a:spcAft>
+                          <a:spcPts val="0"/>
+                        </a:spcAft>
+                        <a:buClrTx/>
+                        <a:buSzTx/>
+                        <a:buFontTx/>
+                        <a:buNone/>
+                        <a:tabLst/>
+                        <a:defRPr/>
+                      </a:pPr>
                       <a:r>
-                        <a:rPr lang="en-US" sz="2400" b="1" dirty="0" smtClean="0"/>
+                        <a:rPr kumimoji="0" lang="en-US" altLang="zh-CN" sz="1800" b="1" kern="1200" dirty="0" smtClean="0">
+                          <a:solidFill>
+                            <a:schemeClr val="dk1"/>
+                          </a:solidFill>
+                          <a:effectLst/>
+                          <a:latin typeface="+mn-lt"/>
+                          <a:ea typeface="+mn-ea"/>
+                          <a:cs typeface="+mn-cs"/>
+                        </a:rPr>
                         <a:t>0.961</a:t>
                       </a:r>
-                      <a:endParaRPr lang="en-US" sz="2400" b="1" dirty="0"/>
+                      <a:endParaRPr lang="zh-CN" altLang="en-US" b="1" dirty="0" smtClean="0"/>
                     </a:p>
                   </a:txBody>
                   <a:tcPr/>
@@ -8532,27 +10830,77 @@
                     <a:bodyPr/>
                     <a:lstStyle/>
                     <a:p>
+                      <a:pPr marL="0" marR="0" indent="0" algn="l" defTabSz="914400" rtl="0" eaLnBrk="1" fontAlgn="auto" latinLnBrk="0" hangingPunct="1">
+                        <a:lnSpc>
+                          <a:spcPct val="100000"/>
+                        </a:lnSpc>
+                        <a:spcBef>
+                          <a:spcPts val="0"/>
+                        </a:spcBef>
+                        <a:spcAft>
+                          <a:spcPts val="0"/>
+                        </a:spcAft>
+                        <a:buClrTx/>
+                        <a:buSzTx/>
+                        <a:buFontTx/>
+                        <a:buNone/>
+                        <a:tabLst/>
+                        <a:defRPr/>
+                      </a:pPr>
                       <a:r>
-                        <a:rPr lang="en-US" sz="2400" dirty="0" smtClean="0"/>
-                        <a:t>0.924</a:t>
+                        <a:rPr kumimoji="0" lang="en-US" altLang="zh-CN" sz="1800" kern="1200" dirty="0" smtClean="0">
+                          <a:solidFill>
+                            <a:schemeClr val="dk1"/>
+                          </a:solidFill>
+                          <a:effectLst/>
+                          <a:latin typeface="+mn-lt"/>
+                          <a:ea typeface="+mn-ea"/>
+                          <a:cs typeface="+mn-cs"/>
+                        </a:rPr>
+                        <a:t>0.924 </a:t>
                       </a:r>
-                      <a:endParaRPr lang="en-US" sz="2400" dirty="0"/>
+                      <a:endParaRPr lang="zh-CN" altLang="en-US" dirty="0" smtClean="0"/>
                     </a:p>
                   </a:txBody>
                   <a:tcPr/>
                 </a:tc>
               </a:tr>
-              <a:tr h="606529">
+              <a:tr h="322555">
                 <a:tc>
                   <a:txBody>
                     <a:bodyPr/>
                     <a:lstStyle/>
                     <a:p>
+                      <a:pPr marL="0" marR="0" indent="0" algn="l" defTabSz="914400" rtl="0" eaLnBrk="1" fontAlgn="auto" latinLnBrk="0" hangingPunct="1">
+                        <a:lnSpc>
+                          <a:spcPct val="100000"/>
+                        </a:lnSpc>
+                        <a:spcBef>
+                          <a:spcPts val="0"/>
+                        </a:spcBef>
+                        <a:spcAft>
+                          <a:spcPts val="0"/>
+                        </a:spcAft>
+                        <a:buClrTx/>
+                        <a:buSzTx/>
+                        <a:buFontTx/>
+                        <a:buNone/>
+                        <a:tabLst/>
+                        <a:defRPr/>
+                      </a:pPr>
                       <a:r>
-                        <a:rPr lang="en-US" sz="2400" dirty="0" smtClean="0"/>
-                        <a:t>Amazon</a:t>
+                        <a:rPr kumimoji="0" lang="en-US" altLang="zh-CN" sz="1800" kern="1200" dirty="0" smtClean="0">
+                          <a:solidFill>
+                            <a:schemeClr val="dk1"/>
+                          </a:solidFill>
+                          <a:effectLst/>
+                          <a:latin typeface="+mn-lt"/>
+                          <a:ea typeface="+mn-ea"/>
+                          <a:cs typeface="+mn-cs"/>
+                        </a:rPr>
+                        <a:t>Amazon </a:t>
                       </a:r>
-                      <a:endParaRPr lang="en-US" sz="2400" dirty="0"/>
+                      <a:endParaRPr lang="en-US" altLang="zh-CN" dirty="0" smtClean="0"/>
                     </a:p>
                   </a:txBody>
                   <a:tcPr/>
@@ -8562,11 +10910,36 @@
                     <a:bodyPr/>
                     <a:lstStyle/>
                     <a:p>
+                      <a:pPr marL="0" marR="0" indent="0" algn="l" defTabSz="914400" rtl="0" eaLnBrk="1" fontAlgn="auto" latinLnBrk="0" hangingPunct="1">
+                        <a:lnSpc>
+                          <a:spcPct val="100000"/>
+                        </a:lnSpc>
+                        <a:spcBef>
+                          <a:spcPts val="0"/>
+                        </a:spcBef>
+                        <a:spcAft>
+                          <a:spcPts val="0"/>
+                        </a:spcAft>
+                        <a:buClrTx/>
+                        <a:buSzTx/>
+                        <a:buFontTx/>
+                        <a:buNone/>
+                        <a:tabLst/>
+                        <a:defRPr/>
+                      </a:pPr>
                       <a:r>
-                        <a:rPr lang="en-US" sz="2400" b="1" dirty="0" smtClean="0"/>
-                        <a:t>0.763</a:t>
+                        <a:rPr kumimoji="0" lang="en-US" altLang="zh-CN" sz="1800" b="1" kern="1200" dirty="0" smtClean="0">
+                          <a:solidFill>
+                            <a:schemeClr val="dk1"/>
+                          </a:solidFill>
+                          <a:effectLst/>
+                          <a:latin typeface="+mn-lt"/>
+                          <a:ea typeface="+mn-ea"/>
+                          <a:cs typeface="+mn-cs"/>
+                        </a:rPr>
+                        <a:t>0.736 </a:t>
                       </a:r>
-                      <a:endParaRPr lang="en-US" sz="2400" b="1" dirty="0"/>
+                      <a:endParaRPr lang="zh-CN" altLang="en-US" b="1" dirty="0" smtClean="0"/>
                     </a:p>
                   </a:txBody>
                   <a:tcPr/>
@@ -8576,11 +10949,36 @@
                     <a:bodyPr/>
                     <a:lstStyle/>
                     <a:p>
+                      <a:pPr marL="0" marR="0" indent="0" algn="l" defTabSz="914400" rtl="0" eaLnBrk="1" fontAlgn="auto" latinLnBrk="0" hangingPunct="1">
+                        <a:lnSpc>
+                          <a:spcPct val="100000"/>
+                        </a:lnSpc>
+                        <a:spcBef>
+                          <a:spcPts val="0"/>
+                        </a:spcBef>
+                        <a:spcAft>
+                          <a:spcPts val="0"/>
+                        </a:spcAft>
+                        <a:buClrTx/>
+                        <a:buSzTx/>
+                        <a:buFontTx/>
+                        <a:buNone/>
+                        <a:tabLst/>
+                        <a:defRPr/>
+                      </a:pPr>
                       <a:r>
-                        <a:rPr lang="en-US" sz="2400" dirty="0" smtClean="0"/>
-                        <a:t>0.636</a:t>
+                        <a:rPr kumimoji="0" lang="en-US" altLang="zh-CN" sz="1800" b="0" kern="1200" dirty="0" smtClean="0">
+                          <a:solidFill>
+                            <a:schemeClr val="dk1"/>
+                          </a:solidFill>
+                          <a:effectLst/>
+                          <a:latin typeface="+mn-lt"/>
+                          <a:ea typeface="+mn-ea"/>
+                          <a:cs typeface="+mn-cs"/>
+                        </a:rPr>
+                        <a:t>0.636 </a:t>
                       </a:r>
-                      <a:endParaRPr lang="en-US" sz="2400" dirty="0"/>
+                      <a:endParaRPr lang="zh-CN" altLang="en-US" b="0" dirty="0" smtClean="0"/>
                     </a:p>
                   </a:txBody>
                   <a:tcPr/>
@@ -8590,11 +10988,36 @@
                     <a:bodyPr/>
                     <a:lstStyle/>
                     <a:p>
+                      <a:pPr marL="0" marR="0" indent="0" algn="l" defTabSz="914400" rtl="0" eaLnBrk="1" fontAlgn="auto" latinLnBrk="0" hangingPunct="1">
+                        <a:lnSpc>
+                          <a:spcPct val="100000"/>
+                        </a:lnSpc>
+                        <a:spcBef>
+                          <a:spcPts val="0"/>
+                        </a:spcBef>
+                        <a:spcAft>
+                          <a:spcPts val="0"/>
+                        </a:spcAft>
+                        <a:buClrTx/>
+                        <a:buSzTx/>
+                        <a:buFontTx/>
+                        <a:buNone/>
+                        <a:tabLst/>
+                        <a:defRPr/>
+                      </a:pPr>
                       <a:r>
-                        <a:rPr lang="en-US" sz="2400" dirty="0" smtClean="0"/>
-                        <a:t>0.626</a:t>
+                        <a:rPr kumimoji="0" lang="en-US" altLang="zh-CN" sz="1800" kern="1200" dirty="0" smtClean="0">
+                          <a:solidFill>
+                            <a:schemeClr val="dk1"/>
+                          </a:solidFill>
+                          <a:effectLst/>
+                          <a:latin typeface="+mn-lt"/>
+                          <a:ea typeface="+mn-ea"/>
+                          <a:cs typeface="+mn-cs"/>
+                        </a:rPr>
+                        <a:t>0.626 </a:t>
                       </a:r>
-                      <a:endParaRPr lang="en-US" sz="2400" dirty="0"/>
+                      <a:endParaRPr lang="zh-CN" altLang="en-US" dirty="0" smtClean="0"/>
                     </a:p>
                   </a:txBody>
                   <a:tcPr/>
@@ -8740,7 +11163,7 @@
     </p:spTree>
     <p:extLst>
       <p:ext uri="{BB962C8B-B14F-4D97-AF65-F5344CB8AC3E}">
-        <p14:creationId xmlns:p14="http://schemas.microsoft.com/office/powerpoint/2010/main" val="3703872688"/>
+        <p14:creationId xmlns:p14="http://schemas.microsoft.com/office/powerpoint/2010/main" val="2852322103"/>
       </p:ext>
     </p:extLst>
   </p:cSld>
